--- a/Learn 2 Math Phase 4/Learn 2 Math final.pptx
+++ b/Learn 2 Math Phase 4/Learn 2 Math final.pptx
@@ -11,9 +11,16 @@
     <p:sldId id="259" r:id="rId5"/>
     <p:sldId id="260" r:id="rId6"/>
     <p:sldId id="263" r:id="rId7"/>
-    <p:sldId id="268" r:id="rId8"/>
-    <p:sldId id="269" r:id="rId9"/>
-    <p:sldId id="267" r:id="rId10"/>
+    <p:sldId id="270" r:id="rId8"/>
+    <p:sldId id="274" r:id="rId9"/>
+    <p:sldId id="271" r:id="rId10"/>
+    <p:sldId id="275" r:id="rId11"/>
+    <p:sldId id="273" r:id="rId12"/>
+    <p:sldId id="276" r:id="rId13"/>
+    <p:sldId id="272" r:id="rId14"/>
+    <p:sldId id="268" r:id="rId15"/>
+    <p:sldId id="269" r:id="rId16"/>
+    <p:sldId id="267" r:id="rId17"/>
   </p:sldIdLst>
   <p:sldSz cx="9144000" cy="6858000" type="screen4x3"/>
   <p:notesSz cx="6858000" cy="9144000"/>
@@ -4091,7 +4098,7 @@
 </p:sld>
 </file>
 
-<file path=ppt/slides/slide2.xml><?xml version="1.0" encoding="utf-8"?>
+<file path=ppt/slides/slide10.xml><?xml version="1.0" encoding="utf-8"?>
 <p:sld xmlns:a="http://schemas.openxmlformats.org/drawingml/2006/main" xmlns:r="http://schemas.openxmlformats.org/officeDocument/2006/relationships" xmlns:p="http://schemas.openxmlformats.org/presentationml/2006/main">
   <p:cSld>
     <p:spTree>
@@ -4110,7 +4117,7 @@
       </p:grpSpPr>
       <p:sp>
         <p:nvSpPr>
-          <p:cNvPr id="2" name="Title 1"/>
+          <p:cNvPr id="4" name="Title 3"/>
           <p:cNvSpPr>
             <a:spLocks noGrp="1"/>
           </p:cNvSpPr>
@@ -4120,103 +4127,143 @@
         </p:nvSpPr>
         <p:spPr/>
         <p:txBody>
+          <a:bodyPr/>
+          <a:lstStyle/>
+          <a:p>
+            <a:r>
+              <a:rPr lang="en-US" dirty="0" smtClean="0"/>
+              <a:t>Tutorial</a:t>
+            </a:r>
+            <a:endParaRPr lang="en-AU" dirty="0"/>
+          </a:p>
+        </p:txBody>
+      </p:sp>
+      <p:sp>
+        <p:nvSpPr>
+          <p:cNvPr id="5" name="Content Placeholder 4"/>
+          <p:cNvSpPr>
+            <a:spLocks noGrp="1"/>
+          </p:cNvSpPr>
+          <p:nvPr>
+            <p:ph sz="half" idx="1"/>
+          </p:nvPr>
+        </p:nvSpPr>
+        <p:spPr>
+          <a:xfrm>
+            <a:off x="457200" y="1600200"/>
+            <a:ext cx="3048000" cy="4800600"/>
+          </a:xfrm>
+        </p:spPr>
+        <p:txBody>
           <a:bodyPr>
-            <a:normAutofit/>
+            <a:normAutofit fontScale="70000" lnSpcReduction="20000"/>
           </a:bodyPr>
           <a:lstStyle/>
           <a:p>
             <a:r>
-              <a:rPr lang="en-US" b="1" dirty="0" smtClean="0"/>
-              <a:t>Introduction</a:t>
-            </a:r>
-            <a:endParaRPr lang="en-AU" b="1" dirty="0"/>
-          </a:p>
-        </p:txBody>
-      </p:sp>
-      <p:sp>
-        <p:nvSpPr>
-          <p:cNvPr id="3" name="Content Placeholder 2"/>
-          <p:cNvSpPr>
-            <a:spLocks noGrp="1"/>
-          </p:cNvSpPr>
-          <p:nvPr>
-            <p:ph idx="1"/>
-          </p:nvPr>
-        </p:nvSpPr>
-        <p:spPr/>
-        <p:txBody>
-          <a:bodyPr>
-            <a:normAutofit fontScale="92500" lnSpcReduction="20000"/>
-          </a:bodyPr>
-          <a:lstStyle/>
-          <a:p>
-            <a:r>
-              <a:rPr lang="en-US" dirty="0" smtClean="0"/>
-              <a:t>We are Andrews Honor Squad*</a:t>
-            </a:r>
-          </a:p>
-          <a:p>
-            <a:endParaRPr lang="en-US" dirty="0" smtClean="0"/>
-          </a:p>
-          <a:p>
-            <a:r>
-              <a:rPr lang="en-US" dirty="0" smtClean="0"/>
-              <a:t>Members:</a:t>
-            </a:r>
-          </a:p>
-          <a:p>
-            <a:pPr lvl="1"/>
-            <a:r>
-              <a:rPr lang="en-US" dirty="0" smtClean="0"/>
-              <a:t>Eric Sullivan</a:t>
-            </a:r>
-          </a:p>
-          <a:p>
-            <a:pPr lvl="1"/>
+              <a:rPr lang="en-US" dirty="0" smtClean="0"/>
+              <a:t>3.2.1 The user shall take tutorials.</a:t>
+            </a:r>
+            <a:endParaRPr lang="en-AU" dirty="0" smtClean="0"/>
+          </a:p>
+          <a:p>
+            <a:r>
+              <a:rPr lang="en-US" dirty="0" smtClean="0"/>
+              <a:t>3.2.2 </a:t>
+            </a:r>
+            <a:r>
+              <a:rPr lang="en-US" dirty="0" smtClean="0"/>
+              <a:t>Tutorials shall use pictures to teach users</a:t>
+            </a:r>
+            <a:r>
+              <a:rPr lang="en-US" dirty="0" smtClean="0"/>
+              <a:t>.</a:t>
+            </a:r>
+          </a:p>
+          <a:p>
+            <a:pPr>
+              <a:buNone/>
+            </a:pPr>
+            <a:endParaRPr lang="en-AU" dirty="0" smtClean="0"/>
+          </a:p>
+          <a:p>
+            <a:r>
+              <a:rPr lang="en-US" dirty="0" smtClean="0"/>
+              <a:t>3.2.3 </a:t>
+            </a:r>
+            <a:r>
+              <a:rPr lang="en-US" dirty="0" smtClean="0"/>
+              <a:t>Tutorials shall use words to teach users</a:t>
+            </a:r>
+            <a:r>
+              <a:rPr lang="en-US" dirty="0" smtClean="0"/>
+              <a:t>.</a:t>
+            </a:r>
+          </a:p>
+          <a:p>
+            <a:pPr>
+              <a:buNone/>
+            </a:pPr>
+            <a:endParaRPr lang="en-AU" dirty="0" smtClean="0"/>
+          </a:p>
+          <a:p>
+            <a:r>
+              <a:rPr lang="en-US" dirty="0" smtClean="0"/>
+              <a:t>3.2.4 </a:t>
+            </a:r>
+            <a:r>
+              <a:rPr lang="en-US" dirty="0" smtClean="0"/>
+              <a:t>The tutorial shall teach Number sense and operation skills</a:t>
+            </a:r>
+            <a:r>
+              <a:rPr lang="en-US" dirty="0" smtClean="0"/>
+              <a:t>.</a:t>
+            </a:r>
+            <a:endParaRPr lang="en-AU" dirty="0" smtClean="0"/>
+          </a:p>
+          <a:p>
+            <a:endParaRPr lang="en-AU" b="1" dirty="0" smtClean="0"/>
+          </a:p>
+          <a:p>
+            <a:r>
+              <a:rPr lang="en-US" dirty="0" smtClean="0"/>
+              <a:t>3.2.5 The Tutorials will be load the images and text file from a folder</a:t>
+            </a:r>
+            <a:r>
+              <a:rPr lang="en-US" dirty="0" smtClean="0"/>
+              <a:t>.</a:t>
+            </a:r>
+          </a:p>
+          <a:p>
+            <a:endParaRPr lang="en-AU" dirty="0" smtClean="0"/>
+          </a:p>
+          <a:p>
+            <a:r>
+              <a:rPr lang="en-US" dirty="0" smtClean="0"/>
+              <a:t>3.2.6 </a:t>
+            </a:r>
+            <a:r>
+              <a:rPr lang="en-US" dirty="0" smtClean="0"/>
+              <a:t>The folder will have a text file and </a:t>
+            </a:r>
             <a:r>
               <a:rPr lang="en-US" dirty="0" err="1" smtClean="0"/>
-              <a:t>Tauseef</a:t>
-            </a:r>
-            <a:r>
-              <a:rPr lang="en-US" dirty="0" smtClean="0"/>
-              <a:t> </a:t>
-            </a:r>
-            <a:r>
-              <a:rPr lang="en-US" dirty="0" err="1" smtClean="0"/>
-              <a:t>Pirzada</a:t>
-            </a:r>
-            <a:endParaRPr lang="en-US" dirty="0" smtClean="0"/>
-          </a:p>
-          <a:p>
-            <a:pPr lvl="1"/>
-            <a:r>
-              <a:rPr lang="en-US" dirty="0" smtClean="0"/>
-              <a:t>Leonid Melnikov</a:t>
-            </a:r>
-          </a:p>
-          <a:p>
-            <a:endParaRPr lang="en-US" dirty="0" smtClean="0"/>
-          </a:p>
-          <a:p>
-            <a:endParaRPr lang="en-US" dirty="0" smtClean="0"/>
-          </a:p>
-          <a:p>
-            <a:endParaRPr lang="en-US" dirty="0" smtClean="0"/>
-          </a:p>
-          <a:p>
-            <a:endParaRPr lang="en-US" dirty="0" smtClean="0"/>
-          </a:p>
-          <a:p>
-            <a:r>
-              <a:rPr lang="en-US" dirty="0" smtClean="0"/>
-              <a:t>*no longer self proclaimed</a:t>
-            </a:r>
+              <a:t>png</a:t>
+            </a:r>
+            <a:r>
+              <a:rPr lang="en-US" dirty="0" smtClean="0"/>
+              <a:t> files.</a:t>
+            </a:r>
+            <a:endParaRPr lang="en-AU" dirty="0" smtClean="0"/>
+          </a:p>
+          <a:p>
+            <a:endParaRPr lang="en-AU" dirty="0"/>
           </a:p>
         </p:txBody>
       </p:sp>
       <p:pic>
         <p:nvPicPr>
-          <p:cNvPr id="4098" name="Picture 2" descr="C:\Users\Leonid\Documents\NetBeansProjects\MathTutor\Icons\Stickers\Salacot-explorer.png"/>
+          <p:cNvPr id="6146" name="Picture 2" descr="C:\Users\Leonid\Documents\NetBeansProjects\MathTutor\Snips\SequenceTut.JPG"/>
           <p:cNvPicPr>
             <a:picLocks noChangeAspect="1" noChangeArrowheads="1"/>
           </p:cNvPicPr>
@@ -4231,8 +4278,8 @@
         </p:blipFill>
         <p:spPr bwMode="auto">
           <a:xfrm>
-            <a:off x="6248400" y="228600"/>
-            <a:ext cx="952500" cy="952500"/>
+            <a:off x="3548570" y="2209800"/>
+            <a:ext cx="5420376" cy="4219575"/>
           </a:xfrm>
           <a:prstGeom prst="rect">
             <a:avLst/>
@@ -4245,17 +4292,10 @@
   <p:clrMapOvr>
     <a:masterClrMapping/>
   </p:clrMapOvr>
-  <p:timing>
-    <p:tnLst>
-      <p:par>
-        <p:cTn id="1" dur="indefinite" restart="never" nodeType="tmRoot"/>
-      </p:par>
-    </p:tnLst>
-  </p:timing>
 </p:sld>
 </file>
 
-<file path=ppt/slides/slide3.xml><?xml version="1.0" encoding="utf-8"?>
+<file path=ppt/slides/slide11.xml><?xml version="1.0" encoding="utf-8"?>
 <p:sld xmlns:a="http://schemas.openxmlformats.org/drawingml/2006/main" xmlns:r="http://schemas.openxmlformats.org/officeDocument/2006/relationships" xmlns:p="http://schemas.openxmlformats.org/presentationml/2006/main">
   <p:cSld>
     <p:spTree>
@@ -4274,7 +4314,7 @@
       </p:grpSpPr>
       <p:sp>
         <p:nvSpPr>
-          <p:cNvPr id="2" name="Title 1"/>
+          <p:cNvPr id="4" name="Title 3"/>
           <p:cNvSpPr>
             <a:spLocks noGrp="1"/>
           </p:cNvSpPr>
@@ -4289,7 +4329,7 @@
           <a:p>
             <a:r>
               <a:rPr lang="en-US" dirty="0" smtClean="0"/>
-              <a:t>What is Learn -2- Math</a:t>
+              <a:t>Testing</a:t>
             </a:r>
             <a:endParaRPr lang="en-AU" dirty="0"/>
           </a:p>
@@ -4297,58 +4337,75 @@
       </p:sp>
       <p:sp>
         <p:nvSpPr>
-          <p:cNvPr id="3" name="Content Placeholder 2"/>
-          <p:cNvSpPr>
-            <a:spLocks noGrp="1"/>
-          </p:cNvSpPr>
-          <p:nvPr>
-            <p:ph idx="1"/>
+          <p:cNvPr id="5" name="Content Placeholder 4"/>
+          <p:cNvSpPr>
+            <a:spLocks noGrp="1"/>
+          </p:cNvSpPr>
+          <p:nvPr>
+            <p:ph sz="half" idx="1"/>
           </p:nvPr>
         </p:nvSpPr>
         <p:spPr/>
         <p:txBody>
-          <a:bodyPr/>
-          <a:lstStyle/>
-          <a:p>
-            <a:r>
-              <a:rPr lang="en-US" dirty="0" smtClean="0"/>
-              <a:t>Math tutor software</a:t>
-            </a:r>
-          </a:p>
-          <a:p>
-            <a:r>
-              <a:rPr lang="en-US" dirty="0" smtClean="0"/>
-              <a:t>Helps teach kids from Pre K – Grade 4 valuable math skills that they will use throughout life</a:t>
-            </a:r>
-          </a:p>
-          <a:p>
-            <a:r>
-              <a:rPr lang="en-US" dirty="0" smtClean="0"/>
-              <a:t>A fun tutoring software that offers rewards for completing sections</a:t>
-            </a:r>
-          </a:p>
-          <a:p>
-            <a:pPr lvl="1"/>
-            <a:r>
-              <a:rPr lang="en-US" dirty="0" smtClean="0"/>
-              <a:t>Who doesn’t like stickers</a:t>
+          <a:bodyPr>
+            <a:normAutofit fontScale="85000" lnSpcReduction="20000"/>
+          </a:bodyPr>
+          <a:lstStyle/>
+          <a:p>
+            <a:r>
+              <a:rPr lang="en-US" dirty="0" smtClean="0"/>
+              <a:t>3.3.1 The user shall take tests after tutorials.</a:t>
             </a:r>
             <a:endParaRPr lang="en-AU" dirty="0" smtClean="0"/>
           </a:p>
           <a:p>
-            <a:pPr lvl="1">
-              <a:buNone/>
-            </a:pPr>
-            <a:r>
-              <a:rPr lang="en-US" dirty="0" smtClean="0"/>
-              <a:t>	</a:t>
-            </a:r>
+            <a:r>
+              <a:rPr lang="en-US" dirty="0" smtClean="0"/>
+              <a:t>3.3.2 </a:t>
+            </a:r>
+            <a:r>
+              <a:rPr lang="en-US" dirty="0" smtClean="0"/>
+              <a:t>The test questions shall be multiple choice.</a:t>
+            </a:r>
+            <a:endParaRPr lang="en-AU" dirty="0" smtClean="0"/>
+          </a:p>
+          <a:p>
+            <a:r>
+              <a:rPr lang="en-US" dirty="0" smtClean="0"/>
+              <a:t>3.3.3 </a:t>
+            </a:r>
+            <a:r>
+              <a:rPr lang="en-US" dirty="0" smtClean="0"/>
+              <a:t>The tests shall have questions on Number sense and operation skills.</a:t>
+            </a:r>
+            <a:endParaRPr lang="en-AU" dirty="0" smtClean="0"/>
+          </a:p>
+          <a:p>
+            <a:r>
+              <a:rPr lang="en-US" dirty="0" smtClean="0"/>
+              <a:t>3.3.5 </a:t>
+            </a:r>
+            <a:r>
+              <a:rPr lang="en-US" dirty="0" smtClean="0"/>
+              <a:t>The system shall increase the difficulty of the tests.</a:t>
+            </a:r>
+            <a:endParaRPr lang="en-AU" dirty="0" smtClean="0"/>
+          </a:p>
+          <a:p>
+            <a:r>
+              <a:rPr lang="en-US" dirty="0" smtClean="0"/>
+              <a:t>3.3.6 After completing a test or math level, the system shall give the user stickers.</a:t>
+            </a:r>
+            <a:endParaRPr lang="en-AU" dirty="0" smtClean="0"/>
+          </a:p>
+          <a:p>
+            <a:endParaRPr lang="en-AU" dirty="0"/>
           </a:p>
         </p:txBody>
       </p:sp>
       <p:pic>
         <p:nvPicPr>
-          <p:cNvPr id="2050" name="Picture 2" descr="C:\Users\Leonid\Desktop\questions\Icons\Grade 1 Stickers\giraffe.png"/>
+          <p:cNvPr id="5122" name="Picture 2" descr="C:\Users\Leonid\Documents\NetBeansProjects\MathTutor\Snips\SequenceTest.JPG"/>
           <p:cNvPicPr>
             <a:picLocks noChangeAspect="1" noChangeArrowheads="1"/>
           </p:cNvPicPr>
@@ -4362,9 +4419,9 @@
           </a:stretch>
         </p:blipFill>
         <p:spPr bwMode="auto">
-          <a:xfrm rot="616494">
-            <a:off x="77440" y="5411440"/>
-            <a:ext cx="954087" cy="954087"/>
+          <a:xfrm>
+            <a:off x="4104700" y="2209800"/>
+            <a:ext cx="5039300" cy="3924300"/>
           </a:xfrm>
           <a:prstGeom prst="rect">
             <a:avLst/>
@@ -4377,17 +4434,10 @@
   <p:clrMapOvr>
     <a:masterClrMapping/>
   </p:clrMapOvr>
-  <p:timing>
-    <p:tnLst>
-      <p:par>
-        <p:cTn id="1" dur="indefinite" restart="never" nodeType="tmRoot"/>
-      </p:par>
-    </p:tnLst>
-  </p:timing>
 </p:sld>
 </file>
 
-<file path=ppt/slides/slide4.xml><?xml version="1.0" encoding="utf-8"?>
+<file path=ppt/slides/slide12.xml><?xml version="1.0" encoding="utf-8"?>
 <p:sld xmlns:a="http://schemas.openxmlformats.org/drawingml/2006/main" xmlns:r="http://schemas.openxmlformats.org/officeDocument/2006/relationships" xmlns:p="http://schemas.openxmlformats.org/presentationml/2006/main">
   <p:cSld>
     <p:spTree>
@@ -4406,7 +4456,7 @@
       </p:grpSpPr>
       <p:sp>
         <p:nvSpPr>
-          <p:cNvPr id="2" name="Title 1"/>
+          <p:cNvPr id="4" name="Title 3"/>
           <p:cNvSpPr>
             <a:spLocks noGrp="1"/>
           </p:cNvSpPr>
@@ -4421,7 +4471,7 @@
           <a:p>
             <a:r>
               <a:rPr lang="en-US" dirty="0" smtClean="0"/>
-              <a:t>Goal</a:t>
+              <a:t>Testing</a:t>
             </a:r>
             <a:endParaRPr lang="en-AU" dirty="0"/>
           </a:p>
@@ -4429,47 +4479,128 @@
       </p:sp>
       <p:sp>
         <p:nvSpPr>
-          <p:cNvPr id="3" name="Content Placeholder 2"/>
-          <p:cNvSpPr>
-            <a:spLocks noGrp="1"/>
-          </p:cNvSpPr>
-          <p:nvPr>
-            <p:ph idx="1"/>
-          </p:nvPr>
-        </p:nvSpPr>
-        <p:spPr/>
-        <p:txBody>
-          <a:bodyPr/>
-          <a:lstStyle/>
-          <a:p>
-            <a:r>
-              <a:rPr lang="en-US" dirty="0" smtClean="0"/>
-              <a:t>Easy to use interface that’s primarily used by kids</a:t>
-            </a:r>
-          </a:p>
-          <a:p>
-            <a:r>
-              <a:rPr lang="en-US" dirty="0" smtClean="0"/>
-              <a:t>Teaches the correct information </a:t>
-            </a:r>
-          </a:p>
-          <a:p>
-            <a:r>
-              <a:rPr lang="en-US" dirty="0" smtClean="0"/>
-              <a:t>Make it fun to use</a:t>
-            </a:r>
-          </a:p>
-          <a:p>
-            <a:r>
-              <a:rPr lang="en-US" dirty="0" smtClean="0"/>
-              <a:t>Have a theme </a:t>
-            </a:r>
+          <p:cNvPr id="5" name="Content Placeholder 4"/>
+          <p:cNvSpPr>
+            <a:spLocks noGrp="1"/>
+          </p:cNvSpPr>
+          <p:nvPr>
+            <p:ph sz="half" idx="1"/>
+          </p:nvPr>
+        </p:nvSpPr>
+        <p:spPr>
+          <a:xfrm>
+            <a:off x="457200" y="1295400"/>
+            <a:ext cx="3657600" cy="5105400"/>
+          </a:xfrm>
+        </p:spPr>
+        <p:txBody>
+          <a:bodyPr>
+            <a:normAutofit fontScale="62500" lnSpcReduction="20000"/>
+          </a:bodyPr>
+          <a:lstStyle/>
+          <a:p>
+            <a:r>
+              <a:rPr lang="en-US" dirty="0" smtClean="0"/>
+              <a:t>3.3.7 The system will create tests both randomly and from a pre-made list of questions.</a:t>
+            </a:r>
+            <a:endParaRPr lang="en-AU" dirty="0" smtClean="0"/>
+          </a:p>
+          <a:p>
+            <a:r>
+              <a:rPr lang="en-US" dirty="0" smtClean="0"/>
+              <a:t>3.3.8 </a:t>
+            </a:r>
+            <a:r>
+              <a:rPr lang="en-US" dirty="0" smtClean="0"/>
+              <a:t>The pre made list of questions shall be loaded from a file.</a:t>
+            </a:r>
+            <a:endParaRPr lang="en-AU" dirty="0" smtClean="0"/>
+          </a:p>
+          <a:p>
+            <a:r>
+              <a:rPr lang="en-US" dirty="0" smtClean="0"/>
+              <a:t>3.3.9 </a:t>
+            </a:r>
+            <a:r>
+              <a:rPr lang="en-US" dirty="0" smtClean="0"/>
+              <a:t>Any image shall be loaded from a folder</a:t>
+            </a:r>
+            <a:endParaRPr lang="en-AU" dirty="0" smtClean="0"/>
+          </a:p>
+          <a:p>
+            <a:r>
+              <a:rPr lang="en-US" dirty="0" smtClean="0"/>
+              <a:t>3.3.10 </a:t>
+            </a:r>
+            <a:r>
+              <a:rPr lang="en-US" dirty="0" smtClean="0"/>
+              <a:t>Pre k – k tests will have 6 questions</a:t>
+            </a:r>
+            <a:endParaRPr lang="en-AU" dirty="0" smtClean="0"/>
+          </a:p>
+          <a:p>
+            <a:r>
+              <a:rPr lang="en-US" dirty="0" smtClean="0"/>
+              <a:t>3.3.11 </a:t>
+            </a:r>
+            <a:r>
+              <a:rPr lang="en-US" dirty="0" smtClean="0"/>
+              <a:t>Pre k - k tests shall be passed if the user gets 3/6 correct.</a:t>
+            </a:r>
+            <a:endParaRPr lang="en-AU" dirty="0" smtClean="0"/>
+          </a:p>
+          <a:p>
+            <a:r>
+              <a:rPr lang="en-US" dirty="0" smtClean="0"/>
+              <a:t>The </a:t>
+            </a:r>
+            <a:r>
+              <a:rPr lang="en-US" dirty="0" smtClean="0"/>
+              <a:t>user shall take tests after tutorials.</a:t>
+            </a:r>
+            <a:endParaRPr lang="en-AU" dirty="0" smtClean="0"/>
+          </a:p>
+          <a:p>
+            <a:r>
+              <a:rPr lang="en-US" dirty="0" smtClean="0"/>
+              <a:t>3.3.2 </a:t>
+            </a:r>
+            <a:r>
+              <a:rPr lang="en-US" dirty="0" smtClean="0"/>
+              <a:t>The test questions shall be multiple choice.</a:t>
+            </a:r>
+            <a:endParaRPr lang="en-AU" dirty="0" smtClean="0"/>
+          </a:p>
+          <a:p>
+            <a:r>
+              <a:rPr lang="en-US" dirty="0" smtClean="0"/>
+              <a:t>3.3.3 </a:t>
+            </a:r>
+            <a:r>
+              <a:rPr lang="en-US" dirty="0" smtClean="0"/>
+              <a:t>The tests shall have questions on Number sense and operation skills.</a:t>
+            </a:r>
+            <a:endParaRPr lang="en-AU" dirty="0" smtClean="0"/>
+          </a:p>
+          <a:p>
+            <a:r>
+              <a:rPr lang="en-US" dirty="0" smtClean="0"/>
+              <a:t>3.3.5 </a:t>
+            </a:r>
+            <a:r>
+              <a:rPr lang="en-US" dirty="0" smtClean="0"/>
+              <a:t>The system shall increase the difficulty of the tests.</a:t>
+            </a:r>
+            <a:endParaRPr lang="en-AU" dirty="0" smtClean="0"/>
+          </a:p>
+          <a:p>
+            <a:endParaRPr lang="en-AU" dirty="0"/>
           </a:p>
         </p:txBody>
       </p:sp>
       <p:pic>
         <p:nvPicPr>
-          <p:cNvPr id="3074" name="Picture 2" descr="C:\Users\Leonid\Documents\NetBeansProjects\MathTutor\Icons\Icons\icons\penguin.png"/>
+          <p:cNvPr id="5122" name="Picture 2" descr="C:\Users\Leonid\Documents\NetBeansProjects\MathTutor\Snips\SequenceTest.JPG"/>
           <p:cNvPicPr>
             <a:picLocks noChangeAspect="1" noChangeArrowheads="1"/>
           </p:cNvPicPr>
@@ -4483,9 +4614,9 @@
           </a:stretch>
         </p:blipFill>
         <p:spPr bwMode="auto">
-          <a:xfrm rot="20299203">
-            <a:off x="6876297" y="4209298"/>
-            <a:ext cx="1143000" cy="1143000"/>
+          <a:xfrm>
+            <a:off x="4104700" y="2209800"/>
+            <a:ext cx="5039300" cy="3924300"/>
           </a:xfrm>
           <a:prstGeom prst="rect">
             <a:avLst/>
@@ -4498,17 +4629,10 @@
   <p:clrMapOvr>
     <a:masterClrMapping/>
   </p:clrMapOvr>
-  <p:timing>
-    <p:tnLst>
-      <p:par>
-        <p:cTn id="1" dur="indefinite" restart="never" nodeType="tmRoot"/>
-      </p:par>
-    </p:tnLst>
-  </p:timing>
 </p:sld>
 </file>
 
-<file path=ppt/slides/slide5.xml><?xml version="1.0" encoding="utf-8"?>
+<file path=ppt/slides/slide13.xml><?xml version="1.0" encoding="utf-8"?>
 <p:sld xmlns:a="http://schemas.openxmlformats.org/drawingml/2006/main" xmlns:r="http://schemas.openxmlformats.org/officeDocument/2006/relationships" xmlns:p="http://schemas.openxmlformats.org/presentationml/2006/main">
   <p:cSld>
     <p:spTree>
@@ -4527,7 +4651,7 @@
       </p:grpSpPr>
       <p:sp>
         <p:nvSpPr>
-          <p:cNvPr id="2" name="Title 1"/>
+          <p:cNvPr id="4" name="Title 3"/>
           <p:cNvSpPr>
             <a:spLocks noGrp="1"/>
           </p:cNvSpPr>
@@ -4542,7 +4666,7 @@
           <a:p>
             <a:r>
               <a:rPr lang="en-US" dirty="0" smtClean="0"/>
-              <a:t>Overview</a:t>
+              <a:t>Rewards</a:t>
             </a:r>
             <a:endParaRPr lang="en-AU" dirty="0"/>
           </a:p>
@@ -4550,171 +4674,129 @@
       </p:sp>
       <p:sp>
         <p:nvSpPr>
-          <p:cNvPr id="3" name="Content Placeholder 2"/>
-          <p:cNvSpPr>
-            <a:spLocks noGrp="1"/>
-          </p:cNvSpPr>
-          <p:nvPr>
-            <p:ph idx="1"/>
-          </p:nvPr>
-        </p:nvSpPr>
-        <p:spPr/>
-        <p:txBody>
-          <a:bodyPr/>
-          <a:lstStyle/>
-          <a:p>
-            <a:r>
-              <a:rPr lang="en-US" dirty="0" smtClean="0"/>
-              <a:t>Intuitive GUI that’s easy to use for kids</a:t>
-            </a:r>
-          </a:p>
-          <a:p>
-            <a:r>
-              <a:rPr lang="en-US" dirty="0" smtClean="0"/>
-              <a:t>Fixed size of 800x600 to ensure it will run on a variety of screens</a:t>
-            </a:r>
-          </a:p>
-          <a:p>
-            <a:r>
-              <a:rPr lang="en-US" dirty="0" smtClean="0"/>
-              <a:t>Programmed in java to support use on different systems</a:t>
-            </a:r>
-          </a:p>
-          <a:p>
-            <a:r>
-              <a:rPr lang="en-US" dirty="0" smtClean="0"/>
-              <a:t>Utilizes </a:t>
-            </a:r>
-            <a:r>
-              <a:rPr lang="en-US" dirty="0" err="1" smtClean="0"/>
-              <a:t>MySQL</a:t>
-            </a:r>
-            <a:r>
-              <a:rPr lang="en-US" dirty="0" smtClean="0"/>
-              <a:t> database to store data</a:t>
-            </a:r>
-          </a:p>
-          <a:p>
-            <a:r>
-              <a:rPr lang="en-US" dirty="0" smtClean="0"/>
-              <a:t>Sticker Reward system </a:t>
-            </a:r>
+          <p:cNvPr id="5" name="Content Placeholder 4"/>
+          <p:cNvSpPr>
+            <a:spLocks noGrp="1"/>
+          </p:cNvSpPr>
+          <p:nvPr>
+            <p:ph sz="half" idx="1"/>
+          </p:nvPr>
+        </p:nvSpPr>
+        <p:spPr>
+          <a:xfrm>
+            <a:off x="152400" y="1600200"/>
+            <a:ext cx="3657600" cy="4525963"/>
+          </a:xfrm>
+        </p:spPr>
+        <p:txBody>
+          <a:bodyPr>
+            <a:normAutofit fontScale="77500" lnSpcReduction="20000"/>
+          </a:bodyPr>
+          <a:lstStyle/>
+          <a:p>
+            <a:r>
+              <a:rPr lang="en-US" dirty="0" smtClean="0"/>
+              <a:t>3.3.6 After completing a test or math level, the system shall give the user stickers</a:t>
+            </a:r>
+            <a:r>
+              <a:rPr lang="en-US" dirty="0" smtClean="0"/>
+              <a:t>.</a:t>
+            </a:r>
+          </a:p>
+          <a:p>
+            <a:r>
+              <a:rPr lang="en-US" dirty="0" smtClean="0"/>
+              <a:t>3.5.1 The system shall give the user a report of a completed test.</a:t>
+            </a:r>
+            <a:endParaRPr lang="en-AU" dirty="0" smtClean="0"/>
+          </a:p>
+          <a:p>
+            <a:r>
+              <a:rPr lang="en-US" dirty="0" smtClean="0"/>
+              <a:t>3.5.2 </a:t>
+            </a:r>
+            <a:r>
+              <a:rPr lang="en-US" dirty="0" smtClean="0"/>
+              <a:t>The reports shall be printable.</a:t>
+            </a:r>
+            <a:endParaRPr lang="en-AU" dirty="0" smtClean="0"/>
+          </a:p>
+          <a:p>
+            <a:r>
+              <a:rPr lang="en-US" dirty="0" smtClean="0"/>
+              <a:t>3.5.3 </a:t>
+            </a:r>
+            <a:r>
+              <a:rPr lang="en-US" dirty="0" smtClean="0"/>
+              <a:t>The reports will show percentage correct</a:t>
+            </a:r>
+            <a:endParaRPr lang="en-AU" dirty="0" smtClean="0"/>
+          </a:p>
+          <a:p>
+            <a:r>
+              <a:rPr lang="en-US" dirty="0" smtClean="0"/>
+              <a:t>3.5.4 </a:t>
+            </a:r>
+            <a:r>
+              <a:rPr lang="en-US" dirty="0" smtClean="0"/>
+              <a:t>The reports will show pass/fail</a:t>
+            </a:r>
+            <a:endParaRPr lang="en-AU" dirty="0" smtClean="0"/>
+          </a:p>
+          <a:p>
+            <a:r>
+              <a:rPr lang="en-US" dirty="0" smtClean="0"/>
+              <a:t>3.5.5 </a:t>
+            </a:r>
+            <a:r>
+              <a:rPr lang="en-US" dirty="0" smtClean="0"/>
+              <a:t>The reports will show incorrect questions with the correct answer.</a:t>
+            </a:r>
+            <a:endParaRPr lang="en-AU" dirty="0" smtClean="0"/>
+          </a:p>
+          <a:p>
+            <a:endParaRPr lang="en-AU" dirty="0" smtClean="0"/>
+          </a:p>
+          <a:p>
             <a:endParaRPr lang="en-AU" dirty="0"/>
           </a:p>
         </p:txBody>
       </p:sp>
+      <p:pic>
+        <p:nvPicPr>
+          <p:cNvPr id="4098" name="Picture 2" descr="C:\Users\Leonid\Documents\NetBeansProjects\MathTutor\Snips\sequenceReward.JPG"/>
+          <p:cNvPicPr>
+            <a:picLocks noChangeAspect="1" noChangeArrowheads="1"/>
+          </p:cNvPicPr>
+          <p:nvPr/>
+        </p:nvPicPr>
+        <p:blipFill>
+          <a:blip r:embed="rId2" cstate="print"/>
+          <a:srcRect/>
+          <a:stretch>
+            <a:fillRect/>
+          </a:stretch>
+        </p:blipFill>
+        <p:spPr bwMode="auto">
+          <a:xfrm>
+            <a:off x="3930650" y="2133600"/>
+            <a:ext cx="5213350" cy="4035519"/>
+          </a:xfrm>
+          <a:prstGeom prst="rect">
+            <a:avLst/>
+          </a:prstGeom>
+          <a:noFill/>
+        </p:spPr>
+      </p:pic>
     </p:spTree>
   </p:cSld>
   <p:clrMapOvr>
     <a:masterClrMapping/>
   </p:clrMapOvr>
-  <p:timing>
-    <p:tnLst>
-      <p:par>
-        <p:cTn id="1" dur="indefinite" restart="never" nodeType="tmRoot"/>
-      </p:par>
-    </p:tnLst>
-  </p:timing>
 </p:sld>
 </file>
 
-<file path=ppt/slides/slide6.xml><?xml version="1.0" encoding="utf-8"?>
-<p:sld xmlns:a="http://schemas.openxmlformats.org/drawingml/2006/main" xmlns:r="http://schemas.openxmlformats.org/officeDocument/2006/relationships" xmlns:p="http://schemas.openxmlformats.org/presentationml/2006/main">
-  <p:cSld>
-    <p:spTree>
-      <p:nvGrpSpPr>
-        <p:cNvPr id="1" name=""/>
-        <p:cNvGrpSpPr/>
-        <p:nvPr/>
-      </p:nvGrpSpPr>
-      <p:grpSpPr>
-        <a:xfrm>
-          <a:off x="0" y="0"/>
-          <a:ext cx="0" cy="0"/>
-          <a:chOff x="0" y="0"/>
-          <a:chExt cx="0" cy="0"/>
-        </a:xfrm>
-      </p:grpSpPr>
-      <p:sp>
-        <p:nvSpPr>
-          <p:cNvPr id="2" name="Title 1"/>
-          <p:cNvSpPr>
-            <a:spLocks noGrp="1"/>
-          </p:cNvSpPr>
-          <p:nvPr>
-            <p:ph type="title"/>
-          </p:nvPr>
-        </p:nvSpPr>
-        <p:spPr/>
-        <p:txBody>
-          <a:bodyPr/>
-          <a:lstStyle/>
-          <a:p>
-            <a:r>
-              <a:rPr lang="en-US" dirty="0" smtClean="0"/>
-              <a:t>GUI overview</a:t>
-            </a:r>
-            <a:endParaRPr lang="en-AU" dirty="0"/>
-          </a:p>
-        </p:txBody>
-      </p:sp>
-      <p:sp>
-        <p:nvSpPr>
-          <p:cNvPr id="3" name="Content Placeholder 2"/>
-          <p:cNvSpPr>
-            <a:spLocks noGrp="1"/>
-          </p:cNvSpPr>
-          <p:nvPr>
-            <p:ph idx="1"/>
-          </p:nvPr>
-        </p:nvSpPr>
-        <p:spPr/>
-        <p:txBody>
-          <a:bodyPr/>
-          <a:lstStyle/>
-          <a:p>
-            <a:r>
-              <a:rPr lang="en-US" dirty="0" smtClean="0"/>
-              <a:t>Designed to be easy to learn</a:t>
-            </a:r>
-          </a:p>
-          <a:p>
-            <a:r>
-              <a:rPr lang="en-US" dirty="0" smtClean="0"/>
-              <a:t>Consistent layout  </a:t>
-            </a:r>
-          </a:p>
-          <a:p>
-            <a:r>
-              <a:rPr lang="en-US" dirty="0" smtClean="0"/>
-              <a:t>Divided into user section and system section</a:t>
-            </a:r>
-          </a:p>
-          <a:p>
-            <a:r>
-              <a:rPr lang="en-US" dirty="0" smtClean="0"/>
-              <a:t>Consistently Fewer than 7 items per area to avoid overwhelming</a:t>
-            </a:r>
-            <a:endParaRPr lang="en-AU" dirty="0"/>
-          </a:p>
-        </p:txBody>
-      </p:sp>
-    </p:spTree>
-  </p:cSld>
-  <p:clrMapOvr>
-    <a:masterClrMapping/>
-  </p:clrMapOvr>
-  <p:timing>
-    <p:tnLst>
-      <p:par>
-        <p:cTn id="1" dur="indefinite" restart="never" nodeType="tmRoot"/>
-      </p:par>
-    </p:tnLst>
-  </p:timing>
-</p:sld>
-</file>
-
-<file path=ppt/slides/slide7.xml><?xml version="1.0" encoding="utf-8"?>
+<file path=ppt/slides/slide14.xml><?xml version="1.0" encoding="utf-8"?>
 <p:sld xmlns:a="http://schemas.openxmlformats.org/drawingml/2006/main" xmlns:r="http://schemas.openxmlformats.org/officeDocument/2006/relationships" xmlns:p="http://schemas.openxmlformats.org/presentationml/2006/main">
   <p:cSld>
     <p:spTree>
@@ -4829,7 +4911,7 @@
 </p:sld>
 </file>
 
-<file path=ppt/slides/slide8.xml><?xml version="1.0" encoding="utf-8"?>
+<file path=ppt/slides/slide15.xml><?xml version="1.0" encoding="utf-8"?>
 <p:sld xmlns:a="http://schemas.openxmlformats.org/drawingml/2006/main" xmlns:r="http://schemas.openxmlformats.org/officeDocument/2006/relationships" xmlns:p="http://schemas.openxmlformats.org/presentationml/2006/main">
   <p:cSld>
     <p:spTree>
@@ -4949,7 +5031,7 @@
 </p:sld>
 </file>
 
-<file path=ppt/slides/slide9.xml><?xml version="1.0" encoding="utf-8"?>
+<file path=ppt/slides/slide16.xml><?xml version="1.0" encoding="utf-8"?>
 <p:sld xmlns:a="http://schemas.openxmlformats.org/drawingml/2006/main" xmlns:r="http://schemas.openxmlformats.org/officeDocument/2006/relationships" xmlns:p="http://schemas.openxmlformats.org/presentationml/2006/main">
   <p:cSld>
     <p:spTree>
@@ -5089,6 +5171,1108 @@
       </p:par>
     </p:tnLst>
   </p:timing>
+</p:sld>
+</file>
+
+<file path=ppt/slides/slide2.xml><?xml version="1.0" encoding="utf-8"?>
+<p:sld xmlns:a="http://schemas.openxmlformats.org/drawingml/2006/main" xmlns:r="http://schemas.openxmlformats.org/officeDocument/2006/relationships" xmlns:p="http://schemas.openxmlformats.org/presentationml/2006/main">
+  <p:cSld>
+    <p:spTree>
+      <p:nvGrpSpPr>
+        <p:cNvPr id="1" name=""/>
+        <p:cNvGrpSpPr/>
+        <p:nvPr/>
+      </p:nvGrpSpPr>
+      <p:grpSpPr>
+        <a:xfrm>
+          <a:off x="0" y="0"/>
+          <a:ext cx="0" cy="0"/>
+          <a:chOff x="0" y="0"/>
+          <a:chExt cx="0" cy="0"/>
+        </a:xfrm>
+      </p:grpSpPr>
+      <p:sp>
+        <p:nvSpPr>
+          <p:cNvPr id="2" name="Title 1"/>
+          <p:cNvSpPr>
+            <a:spLocks noGrp="1"/>
+          </p:cNvSpPr>
+          <p:nvPr>
+            <p:ph type="title"/>
+          </p:nvPr>
+        </p:nvSpPr>
+        <p:spPr/>
+        <p:txBody>
+          <a:bodyPr>
+            <a:normAutofit/>
+          </a:bodyPr>
+          <a:lstStyle/>
+          <a:p>
+            <a:r>
+              <a:rPr lang="en-US" b="1" dirty="0" smtClean="0"/>
+              <a:t>Introduction</a:t>
+            </a:r>
+            <a:endParaRPr lang="en-AU" b="1" dirty="0"/>
+          </a:p>
+        </p:txBody>
+      </p:sp>
+      <p:sp>
+        <p:nvSpPr>
+          <p:cNvPr id="3" name="Content Placeholder 2"/>
+          <p:cNvSpPr>
+            <a:spLocks noGrp="1"/>
+          </p:cNvSpPr>
+          <p:nvPr>
+            <p:ph idx="1"/>
+          </p:nvPr>
+        </p:nvSpPr>
+        <p:spPr/>
+        <p:txBody>
+          <a:bodyPr>
+            <a:normAutofit fontScale="92500" lnSpcReduction="20000"/>
+          </a:bodyPr>
+          <a:lstStyle/>
+          <a:p>
+            <a:r>
+              <a:rPr lang="en-US" dirty="0" smtClean="0"/>
+              <a:t>We are Andrews Honor Squad*</a:t>
+            </a:r>
+          </a:p>
+          <a:p>
+            <a:endParaRPr lang="en-US" dirty="0" smtClean="0"/>
+          </a:p>
+          <a:p>
+            <a:r>
+              <a:rPr lang="en-US" dirty="0" smtClean="0"/>
+              <a:t>Members:</a:t>
+            </a:r>
+          </a:p>
+          <a:p>
+            <a:pPr lvl="1"/>
+            <a:r>
+              <a:rPr lang="en-US" dirty="0" smtClean="0"/>
+              <a:t>Eric Sullivan</a:t>
+            </a:r>
+          </a:p>
+          <a:p>
+            <a:pPr lvl="1"/>
+            <a:r>
+              <a:rPr lang="en-US" dirty="0" err="1" smtClean="0"/>
+              <a:t>Tauseef</a:t>
+            </a:r>
+            <a:r>
+              <a:rPr lang="en-US" dirty="0" smtClean="0"/>
+              <a:t> </a:t>
+            </a:r>
+            <a:r>
+              <a:rPr lang="en-US" dirty="0" err="1" smtClean="0"/>
+              <a:t>Pirzada</a:t>
+            </a:r>
+            <a:endParaRPr lang="en-US" dirty="0" smtClean="0"/>
+          </a:p>
+          <a:p>
+            <a:pPr lvl="1"/>
+            <a:r>
+              <a:rPr lang="en-US" dirty="0" smtClean="0"/>
+              <a:t>Leonid Melnikov</a:t>
+            </a:r>
+          </a:p>
+          <a:p>
+            <a:endParaRPr lang="en-US" dirty="0" smtClean="0"/>
+          </a:p>
+          <a:p>
+            <a:endParaRPr lang="en-US" dirty="0" smtClean="0"/>
+          </a:p>
+          <a:p>
+            <a:endParaRPr lang="en-US" dirty="0" smtClean="0"/>
+          </a:p>
+          <a:p>
+            <a:endParaRPr lang="en-US" dirty="0" smtClean="0"/>
+          </a:p>
+          <a:p>
+            <a:r>
+              <a:rPr lang="en-US" dirty="0" smtClean="0"/>
+              <a:t>*no longer self proclaimed</a:t>
+            </a:r>
+          </a:p>
+        </p:txBody>
+      </p:sp>
+      <p:pic>
+        <p:nvPicPr>
+          <p:cNvPr id="4098" name="Picture 2" descr="C:\Users\Leonid\Documents\NetBeansProjects\MathTutor\Icons\Stickers\Salacot-explorer.png"/>
+          <p:cNvPicPr>
+            <a:picLocks noChangeAspect="1" noChangeArrowheads="1"/>
+          </p:cNvPicPr>
+          <p:nvPr/>
+        </p:nvPicPr>
+        <p:blipFill>
+          <a:blip r:embed="rId2" cstate="print"/>
+          <a:srcRect/>
+          <a:stretch>
+            <a:fillRect/>
+          </a:stretch>
+        </p:blipFill>
+        <p:spPr bwMode="auto">
+          <a:xfrm>
+            <a:off x="6248400" y="228600"/>
+            <a:ext cx="952500" cy="952500"/>
+          </a:xfrm>
+          <a:prstGeom prst="rect">
+            <a:avLst/>
+          </a:prstGeom>
+          <a:noFill/>
+        </p:spPr>
+      </p:pic>
+    </p:spTree>
+  </p:cSld>
+  <p:clrMapOvr>
+    <a:masterClrMapping/>
+  </p:clrMapOvr>
+  <p:timing>
+    <p:tnLst>
+      <p:par>
+        <p:cTn id="1" dur="indefinite" restart="never" nodeType="tmRoot"/>
+      </p:par>
+    </p:tnLst>
+  </p:timing>
+</p:sld>
+</file>
+
+<file path=ppt/slides/slide3.xml><?xml version="1.0" encoding="utf-8"?>
+<p:sld xmlns:a="http://schemas.openxmlformats.org/drawingml/2006/main" xmlns:r="http://schemas.openxmlformats.org/officeDocument/2006/relationships" xmlns:p="http://schemas.openxmlformats.org/presentationml/2006/main">
+  <p:cSld>
+    <p:spTree>
+      <p:nvGrpSpPr>
+        <p:cNvPr id="1" name=""/>
+        <p:cNvGrpSpPr/>
+        <p:nvPr/>
+      </p:nvGrpSpPr>
+      <p:grpSpPr>
+        <a:xfrm>
+          <a:off x="0" y="0"/>
+          <a:ext cx="0" cy="0"/>
+          <a:chOff x="0" y="0"/>
+          <a:chExt cx="0" cy="0"/>
+        </a:xfrm>
+      </p:grpSpPr>
+      <p:sp>
+        <p:nvSpPr>
+          <p:cNvPr id="2" name="Title 1"/>
+          <p:cNvSpPr>
+            <a:spLocks noGrp="1"/>
+          </p:cNvSpPr>
+          <p:nvPr>
+            <p:ph type="title"/>
+          </p:nvPr>
+        </p:nvSpPr>
+        <p:spPr/>
+        <p:txBody>
+          <a:bodyPr/>
+          <a:lstStyle/>
+          <a:p>
+            <a:r>
+              <a:rPr lang="en-US" dirty="0" smtClean="0"/>
+              <a:t>What is Learn -2- Math</a:t>
+            </a:r>
+            <a:endParaRPr lang="en-AU" dirty="0"/>
+          </a:p>
+        </p:txBody>
+      </p:sp>
+      <p:sp>
+        <p:nvSpPr>
+          <p:cNvPr id="3" name="Content Placeholder 2"/>
+          <p:cNvSpPr>
+            <a:spLocks noGrp="1"/>
+          </p:cNvSpPr>
+          <p:nvPr>
+            <p:ph idx="1"/>
+          </p:nvPr>
+        </p:nvSpPr>
+        <p:spPr/>
+        <p:txBody>
+          <a:bodyPr/>
+          <a:lstStyle/>
+          <a:p>
+            <a:r>
+              <a:rPr lang="en-US" dirty="0" smtClean="0"/>
+              <a:t>Math tutor software</a:t>
+            </a:r>
+          </a:p>
+          <a:p>
+            <a:r>
+              <a:rPr lang="en-US" dirty="0" smtClean="0"/>
+              <a:t>Helps teach kids from Pre K – Grade 4 valuable math skills that they will use throughout life</a:t>
+            </a:r>
+          </a:p>
+          <a:p>
+            <a:r>
+              <a:rPr lang="en-US" dirty="0" smtClean="0"/>
+              <a:t>A fun tutoring software that offers rewards for completing sections</a:t>
+            </a:r>
+          </a:p>
+          <a:p>
+            <a:pPr lvl="1"/>
+            <a:r>
+              <a:rPr lang="en-US" dirty="0" smtClean="0"/>
+              <a:t>Who doesn’t like stickers</a:t>
+            </a:r>
+            <a:endParaRPr lang="en-AU" dirty="0" smtClean="0"/>
+          </a:p>
+          <a:p>
+            <a:pPr lvl="1">
+              <a:buNone/>
+            </a:pPr>
+            <a:r>
+              <a:rPr lang="en-US" dirty="0" smtClean="0"/>
+              <a:t>	</a:t>
+            </a:r>
+          </a:p>
+        </p:txBody>
+      </p:sp>
+      <p:pic>
+        <p:nvPicPr>
+          <p:cNvPr id="2050" name="Picture 2" descr="C:\Users\Leonid\Desktop\questions\Icons\Grade 1 Stickers\giraffe.png"/>
+          <p:cNvPicPr>
+            <a:picLocks noChangeAspect="1" noChangeArrowheads="1"/>
+          </p:cNvPicPr>
+          <p:nvPr/>
+        </p:nvPicPr>
+        <p:blipFill>
+          <a:blip r:embed="rId2" cstate="print"/>
+          <a:srcRect/>
+          <a:stretch>
+            <a:fillRect/>
+          </a:stretch>
+        </p:blipFill>
+        <p:spPr bwMode="auto">
+          <a:xfrm rot="616494">
+            <a:off x="77440" y="5411440"/>
+            <a:ext cx="954087" cy="954087"/>
+          </a:xfrm>
+          <a:prstGeom prst="rect">
+            <a:avLst/>
+          </a:prstGeom>
+          <a:noFill/>
+        </p:spPr>
+      </p:pic>
+    </p:spTree>
+  </p:cSld>
+  <p:clrMapOvr>
+    <a:masterClrMapping/>
+  </p:clrMapOvr>
+  <p:timing>
+    <p:tnLst>
+      <p:par>
+        <p:cTn id="1" dur="indefinite" restart="never" nodeType="tmRoot"/>
+      </p:par>
+    </p:tnLst>
+  </p:timing>
+</p:sld>
+</file>
+
+<file path=ppt/slides/slide4.xml><?xml version="1.0" encoding="utf-8"?>
+<p:sld xmlns:a="http://schemas.openxmlformats.org/drawingml/2006/main" xmlns:r="http://schemas.openxmlformats.org/officeDocument/2006/relationships" xmlns:p="http://schemas.openxmlformats.org/presentationml/2006/main">
+  <p:cSld>
+    <p:spTree>
+      <p:nvGrpSpPr>
+        <p:cNvPr id="1" name=""/>
+        <p:cNvGrpSpPr/>
+        <p:nvPr/>
+      </p:nvGrpSpPr>
+      <p:grpSpPr>
+        <a:xfrm>
+          <a:off x="0" y="0"/>
+          <a:ext cx="0" cy="0"/>
+          <a:chOff x="0" y="0"/>
+          <a:chExt cx="0" cy="0"/>
+        </a:xfrm>
+      </p:grpSpPr>
+      <p:sp>
+        <p:nvSpPr>
+          <p:cNvPr id="2" name="Title 1"/>
+          <p:cNvSpPr>
+            <a:spLocks noGrp="1"/>
+          </p:cNvSpPr>
+          <p:nvPr>
+            <p:ph type="title"/>
+          </p:nvPr>
+        </p:nvSpPr>
+        <p:spPr/>
+        <p:txBody>
+          <a:bodyPr/>
+          <a:lstStyle/>
+          <a:p>
+            <a:r>
+              <a:rPr lang="en-US" dirty="0" smtClean="0"/>
+              <a:t>Goal</a:t>
+            </a:r>
+            <a:endParaRPr lang="en-AU" dirty="0"/>
+          </a:p>
+        </p:txBody>
+      </p:sp>
+      <p:sp>
+        <p:nvSpPr>
+          <p:cNvPr id="3" name="Content Placeholder 2"/>
+          <p:cNvSpPr>
+            <a:spLocks noGrp="1"/>
+          </p:cNvSpPr>
+          <p:nvPr>
+            <p:ph idx="1"/>
+          </p:nvPr>
+        </p:nvSpPr>
+        <p:spPr/>
+        <p:txBody>
+          <a:bodyPr/>
+          <a:lstStyle/>
+          <a:p>
+            <a:r>
+              <a:rPr lang="en-US" dirty="0" smtClean="0"/>
+              <a:t>Easy to use interface that’s primarily used by kids</a:t>
+            </a:r>
+          </a:p>
+          <a:p>
+            <a:r>
+              <a:rPr lang="en-US" dirty="0" smtClean="0"/>
+              <a:t>Teaches the correct information </a:t>
+            </a:r>
+          </a:p>
+          <a:p>
+            <a:r>
+              <a:rPr lang="en-US" dirty="0" smtClean="0"/>
+              <a:t>Make it fun to use</a:t>
+            </a:r>
+          </a:p>
+          <a:p>
+            <a:r>
+              <a:rPr lang="en-US" dirty="0" smtClean="0"/>
+              <a:t>Have a theme </a:t>
+            </a:r>
+          </a:p>
+        </p:txBody>
+      </p:sp>
+      <p:pic>
+        <p:nvPicPr>
+          <p:cNvPr id="3074" name="Picture 2" descr="C:\Users\Leonid\Documents\NetBeansProjects\MathTutor\Icons\Icons\icons\penguin.png"/>
+          <p:cNvPicPr>
+            <a:picLocks noChangeAspect="1" noChangeArrowheads="1"/>
+          </p:cNvPicPr>
+          <p:nvPr/>
+        </p:nvPicPr>
+        <p:blipFill>
+          <a:blip r:embed="rId2" cstate="print"/>
+          <a:srcRect/>
+          <a:stretch>
+            <a:fillRect/>
+          </a:stretch>
+        </p:blipFill>
+        <p:spPr bwMode="auto">
+          <a:xfrm rot="20299203">
+            <a:off x="6876297" y="4209298"/>
+            <a:ext cx="1143000" cy="1143000"/>
+          </a:xfrm>
+          <a:prstGeom prst="rect">
+            <a:avLst/>
+          </a:prstGeom>
+          <a:noFill/>
+        </p:spPr>
+      </p:pic>
+    </p:spTree>
+  </p:cSld>
+  <p:clrMapOvr>
+    <a:masterClrMapping/>
+  </p:clrMapOvr>
+  <p:timing>
+    <p:tnLst>
+      <p:par>
+        <p:cTn id="1" dur="indefinite" restart="never" nodeType="tmRoot"/>
+      </p:par>
+    </p:tnLst>
+  </p:timing>
+</p:sld>
+</file>
+
+<file path=ppt/slides/slide5.xml><?xml version="1.0" encoding="utf-8"?>
+<p:sld xmlns:a="http://schemas.openxmlformats.org/drawingml/2006/main" xmlns:r="http://schemas.openxmlformats.org/officeDocument/2006/relationships" xmlns:p="http://schemas.openxmlformats.org/presentationml/2006/main">
+  <p:cSld>
+    <p:spTree>
+      <p:nvGrpSpPr>
+        <p:cNvPr id="1" name=""/>
+        <p:cNvGrpSpPr/>
+        <p:nvPr/>
+      </p:nvGrpSpPr>
+      <p:grpSpPr>
+        <a:xfrm>
+          <a:off x="0" y="0"/>
+          <a:ext cx="0" cy="0"/>
+          <a:chOff x="0" y="0"/>
+          <a:chExt cx="0" cy="0"/>
+        </a:xfrm>
+      </p:grpSpPr>
+      <p:sp>
+        <p:nvSpPr>
+          <p:cNvPr id="2" name="Title 1"/>
+          <p:cNvSpPr>
+            <a:spLocks noGrp="1"/>
+          </p:cNvSpPr>
+          <p:nvPr>
+            <p:ph type="title"/>
+          </p:nvPr>
+        </p:nvSpPr>
+        <p:spPr/>
+        <p:txBody>
+          <a:bodyPr/>
+          <a:lstStyle/>
+          <a:p>
+            <a:r>
+              <a:rPr lang="en-US" dirty="0" smtClean="0"/>
+              <a:t>Overview</a:t>
+            </a:r>
+            <a:endParaRPr lang="en-AU" dirty="0"/>
+          </a:p>
+        </p:txBody>
+      </p:sp>
+      <p:sp>
+        <p:nvSpPr>
+          <p:cNvPr id="3" name="Content Placeholder 2"/>
+          <p:cNvSpPr>
+            <a:spLocks noGrp="1"/>
+          </p:cNvSpPr>
+          <p:nvPr>
+            <p:ph idx="1"/>
+          </p:nvPr>
+        </p:nvSpPr>
+        <p:spPr/>
+        <p:txBody>
+          <a:bodyPr/>
+          <a:lstStyle/>
+          <a:p>
+            <a:r>
+              <a:rPr lang="en-US" dirty="0" smtClean="0"/>
+              <a:t>Intuitive GUI that’s easy to use for kids</a:t>
+            </a:r>
+          </a:p>
+          <a:p>
+            <a:r>
+              <a:rPr lang="en-US" dirty="0" smtClean="0"/>
+              <a:t>Fixed size of 800x600 to ensure it will run on a variety of screens</a:t>
+            </a:r>
+          </a:p>
+          <a:p>
+            <a:r>
+              <a:rPr lang="en-US" dirty="0" smtClean="0"/>
+              <a:t>Programmed in java to support use on different systems</a:t>
+            </a:r>
+          </a:p>
+          <a:p>
+            <a:r>
+              <a:rPr lang="en-US" dirty="0" smtClean="0"/>
+              <a:t>Utilizes </a:t>
+            </a:r>
+            <a:r>
+              <a:rPr lang="en-US" dirty="0" err="1" smtClean="0"/>
+              <a:t>MySQL</a:t>
+            </a:r>
+            <a:r>
+              <a:rPr lang="en-US" dirty="0" smtClean="0"/>
+              <a:t> database to store data</a:t>
+            </a:r>
+          </a:p>
+          <a:p>
+            <a:r>
+              <a:rPr lang="en-US" dirty="0" smtClean="0"/>
+              <a:t>Sticker Reward system </a:t>
+            </a:r>
+            <a:endParaRPr lang="en-AU" dirty="0"/>
+          </a:p>
+        </p:txBody>
+      </p:sp>
+    </p:spTree>
+  </p:cSld>
+  <p:clrMapOvr>
+    <a:masterClrMapping/>
+  </p:clrMapOvr>
+  <p:timing>
+    <p:tnLst>
+      <p:par>
+        <p:cTn id="1" dur="indefinite" restart="never" nodeType="tmRoot"/>
+      </p:par>
+    </p:tnLst>
+  </p:timing>
+</p:sld>
+</file>
+
+<file path=ppt/slides/slide6.xml><?xml version="1.0" encoding="utf-8"?>
+<p:sld xmlns:a="http://schemas.openxmlformats.org/drawingml/2006/main" xmlns:r="http://schemas.openxmlformats.org/officeDocument/2006/relationships" xmlns:p="http://schemas.openxmlformats.org/presentationml/2006/main">
+  <p:cSld>
+    <p:spTree>
+      <p:nvGrpSpPr>
+        <p:cNvPr id="1" name=""/>
+        <p:cNvGrpSpPr/>
+        <p:nvPr/>
+      </p:nvGrpSpPr>
+      <p:grpSpPr>
+        <a:xfrm>
+          <a:off x="0" y="0"/>
+          <a:ext cx="0" cy="0"/>
+          <a:chOff x="0" y="0"/>
+          <a:chExt cx="0" cy="0"/>
+        </a:xfrm>
+      </p:grpSpPr>
+      <p:sp>
+        <p:nvSpPr>
+          <p:cNvPr id="2" name="Title 1"/>
+          <p:cNvSpPr>
+            <a:spLocks noGrp="1"/>
+          </p:cNvSpPr>
+          <p:nvPr>
+            <p:ph type="title"/>
+          </p:nvPr>
+        </p:nvSpPr>
+        <p:spPr/>
+        <p:txBody>
+          <a:bodyPr/>
+          <a:lstStyle/>
+          <a:p>
+            <a:r>
+              <a:rPr lang="en-US" dirty="0" smtClean="0"/>
+              <a:t>GUI overview</a:t>
+            </a:r>
+            <a:endParaRPr lang="en-AU" dirty="0"/>
+          </a:p>
+        </p:txBody>
+      </p:sp>
+      <p:sp>
+        <p:nvSpPr>
+          <p:cNvPr id="3" name="Content Placeholder 2"/>
+          <p:cNvSpPr>
+            <a:spLocks noGrp="1"/>
+          </p:cNvSpPr>
+          <p:nvPr>
+            <p:ph idx="1"/>
+          </p:nvPr>
+        </p:nvSpPr>
+        <p:spPr/>
+        <p:txBody>
+          <a:bodyPr/>
+          <a:lstStyle/>
+          <a:p>
+            <a:r>
+              <a:rPr lang="en-US" dirty="0" smtClean="0"/>
+              <a:t>Designed to be easy to learn</a:t>
+            </a:r>
+          </a:p>
+          <a:p>
+            <a:r>
+              <a:rPr lang="en-US" dirty="0" smtClean="0"/>
+              <a:t>Consistent layout  </a:t>
+            </a:r>
+          </a:p>
+          <a:p>
+            <a:r>
+              <a:rPr lang="en-US" dirty="0" smtClean="0"/>
+              <a:t>Divided into user section and system section</a:t>
+            </a:r>
+          </a:p>
+          <a:p>
+            <a:r>
+              <a:rPr lang="en-US" dirty="0" smtClean="0"/>
+              <a:t>Consistently Fewer than </a:t>
+            </a:r>
+            <a:r>
+              <a:rPr lang="en-US" dirty="0" smtClean="0"/>
+              <a:t>8 </a:t>
+            </a:r>
+            <a:r>
+              <a:rPr lang="en-US" dirty="0" smtClean="0"/>
+              <a:t>items per area to avoid overwhelming</a:t>
+            </a:r>
+            <a:endParaRPr lang="en-AU" dirty="0"/>
+          </a:p>
+        </p:txBody>
+      </p:sp>
+    </p:spTree>
+  </p:cSld>
+  <p:clrMapOvr>
+    <a:masterClrMapping/>
+  </p:clrMapOvr>
+  <p:timing>
+    <p:tnLst>
+      <p:par>
+        <p:cTn id="1" dur="indefinite" restart="never" nodeType="tmRoot"/>
+      </p:par>
+    </p:tnLst>
+  </p:timing>
+</p:sld>
+</file>
+
+<file path=ppt/slides/slide7.xml><?xml version="1.0" encoding="utf-8"?>
+<p:sld xmlns:a="http://schemas.openxmlformats.org/drawingml/2006/main" xmlns:r="http://schemas.openxmlformats.org/officeDocument/2006/relationships" xmlns:p="http://schemas.openxmlformats.org/presentationml/2006/main">
+  <p:cSld>
+    <p:spTree>
+      <p:nvGrpSpPr>
+        <p:cNvPr id="1" name=""/>
+        <p:cNvGrpSpPr/>
+        <p:nvPr/>
+      </p:nvGrpSpPr>
+      <p:grpSpPr>
+        <a:xfrm>
+          <a:off x="0" y="0"/>
+          <a:ext cx="0" cy="0"/>
+          <a:chOff x="0" y="0"/>
+          <a:chExt cx="0" cy="0"/>
+        </a:xfrm>
+      </p:grpSpPr>
+      <p:sp>
+        <p:nvSpPr>
+          <p:cNvPr id="4" name="Title 3"/>
+          <p:cNvSpPr>
+            <a:spLocks noGrp="1"/>
+          </p:cNvSpPr>
+          <p:nvPr>
+            <p:ph type="title"/>
+          </p:nvPr>
+        </p:nvSpPr>
+        <p:spPr/>
+        <p:txBody>
+          <a:bodyPr/>
+          <a:lstStyle/>
+          <a:p>
+            <a:pPr algn="r"/>
+            <a:r>
+              <a:rPr lang="en-US" dirty="0" smtClean="0"/>
+              <a:t>New user!</a:t>
+            </a:r>
+            <a:endParaRPr lang="en-AU" dirty="0"/>
+          </a:p>
+        </p:txBody>
+      </p:sp>
+      <p:sp>
+        <p:nvSpPr>
+          <p:cNvPr id="5" name="Content Placeholder 4"/>
+          <p:cNvSpPr>
+            <a:spLocks noGrp="1"/>
+          </p:cNvSpPr>
+          <p:nvPr>
+            <p:ph sz="half" idx="1"/>
+          </p:nvPr>
+        </p:nvSpPr>
+        <p:spPr>
+          <a:xfrm>
+            <a:off x="457200" y="609600"/>
+            <a:ext cx="3657600" cy="6248400"/>
+          </a:xfrm>
+        </p:spPr>
+        <p:txBody>
+          <a:bodyPr>
+            <a:normAutofit fontScale="47500" lnSpcReduction="20000"/>
+          </a:bodyPr>
+          <a:lstStyle/>
+          <a:p>
+            <a:r>
+              <a:rPr lang="en-US" sz="3300" dirty="0" smtClean="0"/>
+              <a:t>3.4.1 If the user doesn't have a account, the user shall create an account.</a:t>
+            </a:r>
+            <a:endParaRPr lang="en-AU" sz="3300" dirty="0" smtClean="0"/>
+          </a:p>
+          <a:p>
+            <a:r>
+              <a:rPr lang="en-US" sz="3300" dirty="0" smtClean="0"/>
+              <a:t>3.4.2 </a:t>
+            </a:r>
+            <a:r>
+              <a:rPr lang="en-US" sz="3300" dirty="0" smtClean="0"/>
+              <a:t>the user shall enter a user name.</a:t>
+            </a:r>
+            <a:endParaRPr lang="en-AU" sz="3300" dirty="0" smtClean="0"/>
+          </a:p>
+          <a:p>
+            <a:r>
+              <a:rPr lang="en-US" sz="3300" dirty="0" smtClean="0"/>
+              <a:t>3.4.3 The User shall enter a password while  creating an account.</a:t>
+            </a:r>
+            <a:endParaRPr lang="en-AU" sz="3300" dirty="0" smtClean="0"/>
+          </a:p>
+          <a:p>
+            <a:r>
+              <a:rPr lang="en-US" sz="3300" dirty="0" smtClean="0"/>
+              <a:t>3.4.4 </a:t>
+            </a:r>
+            <a:r>
+              <a:rPr lang="en-US" sz="3300" dirty="0" smtClean="0"/>
+              <a:t>The User shall reenter the password while creating an account.</a:t>
+            </a:r>
+            <a:endParaRPr lang="en-AU" sz="3300" dirty="0" smtClean="0"/>
+          </a:p>
+          <a:p>
+            <a:r>
+              <a:rPr lang="en-US" sz="3300" dirty="0" smtClean="0"/>
+              <a:t>3.1.1 The interface shall be easy to use, user friendly and be understandable for children</a:t>
+            </a:r>
+            <a:endParaRPr lang="en-AU" sz="3300" dirty="0" smtClean="0"/>
+          </a:p>
+          <a:p>
+            <a:r>
+              <a:rPr lang="en-US" sz="3300" dirty="0" smtClean="0"/>
+              <a:t>3.1.2 Each window will have a button returning them to the previous window.</a:t>
+            </a:r>
+            <a:endParaRPr lang="en-AU" sz="3300" dirty="0" smtClean="0"/>
+          </a:p>
+          <a:p>
+            <a:r>
+              <a:rPr lang="en-US" sz="3300" dirty="0" smtClean="0"/>
+              <a:t>3.1.3 On all windows, the system shall have a help.</a:t>
+            </a:r>
+            <a:endParaRPr lang="en-AU" sz="3300" dirty="0" smtClean="0"/>
+          </a:p>
+          <a:p>
+            <a:r>
+              <a:rPr lang="en-US" sz="3300" dirty="0" smtClean="0"/>
+              <a:t>3.1.4 </a:t>
+            </a:r>
+            <a:r>
+              <a:rPr lang="en-US" sz="3300" dirty="0" smtClean="0"/>
+              <a:t>The help button shall give a short explanation/tutorial of the current activity.</a:t>
+            </a:r>
+            <a:endParaRPr lang="en-AU" sz="3300" dirty="0" smtClean="0"/>
+          </a:p>
+          <a:p>
+            <a:r>
+              <a:rPr lang="en-US" sz="3300" dirty="0" smtClean="0"/>
+              <a:t>3.1.5 The system will load </a:t>
+            </a:r>
+            <a:r>
+              <a:rPr lang="en-US" sz="3300" dirty="0" err="1" smtClean="0"/>
+              <a:t>png</a:t>
+            </a:r>
+            <a:r>
+              <a:rPr lang="en-US" sz="3300" dirty="0" smtClean="0"/>
+              <a:t> and txt files from the corresponding help folder.</a:t>
+            </a:r>
+            <a:endParaRPr lang="en-AU" sz="3300" dirty="0" smtClean="0"/>
+          </a:p>
+          <a:p>
+            <a:endParaRPr lang="en-AU" dirty="0"/>
+          </a:p>
+        </p:txBody>
+      </p:sp>
+      <p:pic>
+        <p:nvPicPr>
+          <p:cNvPr id="1026" name="Picture 2" descr="C:\Users\Leonid\Documents\NetBeansProjects\MathTutor\Snips\CreateUser.JPG"/>
+          <p:cNvPicPr>
+            <a:picLocks noChangeAspect="1" noChangeArrowheads="1"/>
+          </p:cNvPicPr>
+          <p:nvPr/>
+        </p:nvPicPr>
+        <p:blipFill>
+          <a:blip r:embed="rId2" cstate="print"/>
+          <a:srcRect/>
+          <a:stretch>
+            <a:fillRect/>
+          </a:stretch>
+        </p:blipFill>
+        <p:spPr bwMode="auto">
+          <a:xfrm>
+            <a:off x="4267200" y="2667000"/>
+            <a:ext cx="4572000" cy="3557889"/>
+          </a:xfrm>
+          <a:prstGeom prst="rect">
+            <a:avLst/>
+          </a:prstGeom>
+          <a:noFill/>
+        </p:spPr>
+      </p:pic>
+    </p:spTree>
+  </p:cSld>
+  <p:clrMapOvr>
+    <a:masterClrMapping/>
+  </p:clrMapOvr>
+</p:sld>
+</file>
+
+<file path=ppt/slides/slide8.xml><?xml version="1.0" encoding="utf-8"?>
+<p:sld xmlns:a="http://schemas.openxmlformats.org/drawingml/2006/main" xmlns:r="http://schemas.openxmlformats.org/officeDocument/2006/relationships" xmlns:p="http://schemas.openxmlformats.org/presentationml/2006/main">
+  <p:cSld>
+    <p:spTree>
+      <p:nvGrpSpPr>
+        <p:cNvPr id="1" name=""/>
+        <p:cNvGrpSpPr/>
+        <p:nvPr/>
+      </p:nvGrpSpPr>
+      <p:grpSpPr>
+        <a:xfrm>
+          <a:off x="0" y="0"/>
+          <a:ext cx="0" cy="0"/>
+          <a:chOff x="0" y="0"/>
+          <a:chExt cx="0" cy="0"/>
+        </a:xfrm>
+      </p:grpSpPr>
+      <p:sp>
+        <p:nvSpPr>
+          <p:cNvPr id="4" name="Title 3"/>
+          <p:cNvSpPr>
+            <a:spLocks noGrp="1"/>
+          </p:cNvSpPr>
+          <p:nvPr>
+            <p:ph type="title"/>
+          </p:nvPr>
+        </p:nvSpPr>
+        <p:spPr/>
+        <p:txBody>
+          <a:bodyPr/>
+          <a:lstStyle/>
+          <a:p>
+            <a:pPr algn="r"/>
+            <a:r>
+              <a:rPr lang="en-US" dirty="0" smtClean="0"/>
+              <a:t>Select user!</a:t>
+            </a:r>
+            <a:endParaRPr lang="en-AU" dirty="0"/>
+          </a:p>
+        </p:txBody>
+      </p:sp>
+      <p:sp>
+        <p:nvSpPr>
+          <p:cNvPr id="5" name="Content Placeholder 4"/>
+          <p:cNvSpPr>
+            <a:spLocks noGrp="1"/>
+          </p:cNvSpPr>
+          <p:nvPr>
+            <p:ph sz="half" idx="1"/>
+          </p:nvPr>
+        </p:nvSpPr>
+        <p:spPr/>
+        <p:txBody>
+          <a:bodyPr>
+            <a:normAutofit fontScale="85000" lnSpcReduction="10000"/>
+          </a:bodyPr>
+          <a:lstStyle/>
+          <a:p>
+            <a:r>
+              <a:rPr lang="en-US" dirty="0" smtClean="0"/>
+              <a:t>3.4.5 The system shall prompt the user to select an account from a preexisting user list.</a:t>
+            </a:r>
+            <a:endParaRPr lang="en-AU" dirty="0" smtClean="0"/>
+          </a:p>
+          <a:p>
+            <a:r>
+              <a:rPr lang="en-US" dirty="0" smtClean="0"/>
+              <a:t>3.4.6 </a:t>
+            </a:r>
+            <a:r>
+              <a:rPr lang="en-US" dirty="0" smtClean="0"/>
+              <a:t>After choosing an existing account the user shall enter a password.</a:t>
+            </a:r>
+            <a:endParaRPr lang="en-AU" dirty="0" smtClean="0"/>
+          </a:p>
+          <a:p>
+            <a:r>
+              <a:rPr lang="en-US" dirty="0" smtClean="0"/>
+              <a:t>3.4.7 </a:t>
+            </a:r>
+            <a:r>
+              <a:rPr lang="en-US" dirty="0" smtClean="0"/>
+              <a:t>The user shall be able to log out in the main window</a:t>
+            </a:r>
+            <a:r>
+              <a:rPr lang="en-US" dirty="0" smtClean="0"/>
+              <a:t>.</a:t>
+            </a:r>
+            <a:endParaRPr lang="en-AU" b="1" dirty="0" smtClean="0"/>
+          </a:p>
+          <a:p>
+            <a:r>
+              <a:rPr lang="en-US" dirty="0" smtClean="0"/>
+              <a:t>3.4.8 The log-in list shall be constructed from the database.</a:t>
+            </a:r>
+            <a:endParaRPr lang="en-AU" dirty="0"/>
+          </a:p>
+        </p:txBody>
+      </p:sp>
+      <p:pic>
+        <p:nvPicPr>
+          <p:cNvPr id="2050" name="Picture 2" descr="C:\Users\Leonid\Documents\NetBeansProjects\MathTutor\Snips\Login.JPG"/>
+          <p:cNvPicPr>
+            <a:picLocks noChangeAspect="1" noChangeArrowheads="1"/>
+          </p:cNvPicPr>
+          <p:nvPr/>
+        </p:nvPicPr>
+        <p:blipFill>
+          <a:blip r:embed="rId2" cstate="print"/>
+          <a:srcRect/>
+          <a:stretch>
+            <a:fillRect/>
+          </a:stretch>
+        </p:blipFill>
+        <p:spPr bwMode="auto">
+          <a:xfrm>
+            <a:off x="4190999" y="2362200"/>
+            <a:ext cx="4773593" cy="3733800"/>
+          </a:xfrm>
+          <a:prstGeom prst="rect">
+            <a:avLst/>
+          </a:prstGeom>
+          <a:noFill/>
+        </p:spPr>
+      </p:pic>
+    </p:spTree>
+  </p:cSld>
+  <p:clrMapOvr>
+    <a:masterClrMapping/>
+  </p:clrMapOvr>
+</p:sld>
+</file>
+
+<file path=ppt/slides/slide9.xml><?xml version="1.0" encoding="utf-8"?>
+<p:sld xmlns:a="http://schemas.openxmlformats.org/drawingml/2006/main" xmlns:r="http://schemas.openxmlformats.org/officeDocument/2006/relationships" xmlns:p="http://schemas.openxmlformats.org/presentationml/2006/main">
+  <p:cSld>
+    <p:spTree>
+      <p:nvGrpSpPr>
+        <p:cNvPr id="1" name=""/>
+        <p:cNvGrpSpPr/>
+        <p:nvPr/>
+      </p:nvGrpSpPr>
+      <p:grpSpPr>
+        <a:xfrm>
+          <a:off x="0" y="0"/>
+          <a:ext cx="0" cy="0"/>
+          <a:chOff x="0" y="0"/>
+          <a:chExt cx="0" cy="0"/>
+        </a:xfrm>
+      </p:grpSpPr>
+      <p:sp>
+        <p:nvSpPr>
+          <p:cNvPr id="4" name="Title 3"/>
+          <p:cNvSpPr>
+            <a:spLocks noGrp="1"/>
+          </p:cNvSpPr>
+          <p:nvPr>
+            <p:ph type="title"/>
+          </p:nvPr>
+        </p:nvSpPr>
+        <p:spPr/>
+        <p:txBody>
+          <a:bodyPr/>
+          <a:lstStyle/>
+          <a:p>
+            <a:r>
+              <a:rPr lang="en-US" dirty="0" smtClean="0"/>
+              <a:t>Select grade</a:t>
+            </a:r>
+            <a:endParaRPr lang="en-AU" dirty="0"/>
+          </a:p>
+        </p:txBody>
+      </p:sp>
+      <p:sp>
+        <p:nvSpPr>
+          <p:cNvPr id="5" name="Content Placeholder 4"/>
+          <p:cNvSpPr>
+            <a:spLocks noGrp="1"/>
+          </p:cNvSpPr>
+          <p:nvPr>
+            <p:ph sz="half" idx="1"/>
+          </p:nvPr>
+        </p:nvSpPr>
+        <p:spPr>
+          <a:xfrm>
+            <a:off x="457200" y="1600200"/>
+            <a:ext cx="3200400" cy="4953000"/>
+          </a:xfrm>
+        </p:spPr>
+        <p:txBody>
+          <a:bodyPr>
+            <a:normAutofit fontScale="70000" lnSpcReduction="20000"/>
+          </a:bodyPr>
+          <a:lstStyle/>
+          <a:p>
+            <a:r>
+              <a:rPr lang="en-US" dirty="0" smtClean="0"/>
+              <a:t>3.1.1 The interface shall be easy to use, user friendly and be understandable for children</a:t>
+            </a:r>
+            <a:endParaRPr lang="en-AU" dirty="0" smtClean="0"/>
+          </a:p>
+          <a:p>
+            <a:r>
+              <a:rPr lang="en-US" dirty="0" smtClean="0"/>
+              <a:t>3.1.2 Each window will have a button returning them to the previous window.</a:t>
+            </a:r>
+            <a:endParaRPr lang="en-AU" dirty="0" smtClean="0"/>
+          </a:p>
+          <a:p>
+            <a:r>
+              <a:rPr lang="en-US" dirty="0" smtClean="0"/>
+              <a:t>3.1.3 On all windows, the system shall have a help.</a:t>
+            </a:r>
+            <a:endParaRPr lang="en-AU" dirty="0" smtClean="0"/>
+          </a:p>
+          <a:p>
+            <a:r>
+              <a:rPr lang="en-US" dirty="0" smtClean="0"/>
+              <a:t>3.1.4 </a:t>
+            </a:r>
+            <a:r>
+              <a:rPr lang="en-US" dirty="0" smtClean="0"/>
+              <a:t>The help button shall give a short explanation/tutorial of the current activity</a:t>
+            </a:r>
+            <a:r>
+              <a:rPr lang="en-US" dirty="0" smtClean="0"/>
+              <a:t>.</a:t>
+            </a:r>
+            <a:endParaRPr lang="en-AU" dirty="0" smtClean="0"/>
+          </a:p>
+          <a:p>
+            <a:endParaRPr lang="en-AU" b="1" dirty="0" smtClean="0"/>
+          </a:p>
+          <a:p>
+            <a:r>
+              <a:rPr lang="en-US" dirty="0" smtClean="0"/>
+              <a:t>3.1.5 The system will load </a:t>
+            </a:r>
+            <a:r>
+              <a:rPr lang="en-US" dirty="0" err="1" smtClean="0"/>
+              <a:t>png</a:t>
+            </a:r>
+            <a:r>
+              <a:rPr lang="en-US" dirty="0" smtClean="0"/>
+              <a:t> and txt files from the corresponding help folder.</a:t>
+            </a:r>
+            <a:endParaRPr lang="en-AU" dirty="0" smtClean="0"/>
+          </a:p>
+          <a:p>
+            <a:endParaRPr lang="en-AU" dirty="0"/>
+          </a:p>
+        </p:txBody>
+      </p:sp>
+      <p:pic>
+        <p:nvPicPr>
+          <p:cNvPr id="3074" name="Picture 2" descr="C:\Users\Leonid\Documents\NetBeansProjects\MathTutor\Snips\module.JPG"/>
+          <p:cNvPicPr>
+            <a:picLocks noChangeAspect="1" noChangeArrowheads="1"/>
+          </p:cNvPicPr>
+          <p:nvPr/>
+        </p:nvPicPr>
+        <p:blipFill>
+          <a:blip r:embed="rId2" cstate="print"/>
+          <a:srcRect/>
+          <a:stretch>
+            <a:fillRect/>
+          </a:stretch>
+        </p:blipFill>
+        <p:spPr bwMode="auto">
+          <a:xfrm>
+            <a:off x="3767066" y="2209800"/>
+            <a:ext cx="5376934" cy="4165793"/>
+          </a:xfrm>
+          <a:prstGeom prst="rect">
+            <a:avLst/>
+          </a:prstGeom>
+          <a:noFill/>
+        </p:spPr>
+      </p:pic>
+    </p:spTree>
+  </p:cSld>
+  <p:clrMapOvr>
+    <a:masterClrMapping/>
+  </p:clrMapOvr>
 </p:sld>
 </file>
 

--- a/Learn 2 Math Phase 4/Learn 2 Math final.pptx
+++ b/Learn 2 Math Phase 4/Learn 2 Math final.pptx
@@ -561,6 +561,9 @@
   <p:clrMapOvr>
     <a:overrideClrMapping bg1="dk1" tx1="lt1" bg2="dk2" tx2="lt2" accent1="accent1" accent2="accent2" accent3="accent3" accent4="accent4" accent5="accent5" accent6="accent6" hlink="hlink" folHlink="folHlink"/>
   </p:clrMapOvr>
+  <p:transition>
+    <p:pull dir="lu"/>
+  </p:transition>
 </p:sldLayout>
 </file>
 
@@ -728,6 +731,9 @@
   <p:clrMapOvr>
     <a:masterClrMapping/>
   </p:clrMapOvr>
+  <p:transition>
+    <p:pull dir="lu"/>
+  </p:transition>
 </p:sldLayout>
 </file>
 
@@ -905,6 +911,9 @@
   <p:clrMapOvr>
     <a:masterClrMapping/>
   </p:clrMapOvr>
+  <p:transition>
+    <p:pull dir="lu"/>
+  </p:transition>
 </p:sldLayout>
 </file>
 
@@ -1076,6 +1085,9 @@
   <p:clrMapOvr>
     <a:masterClrMapping/>
   </p:clrMapOvr>
+  <p:transition>
+    <p:pull dir="lu"/>
+  </p:transition>
 </p:sldLayout>
 </file>
 
@@ -1533,6 +1545,9 @@
   <p:clrMapOvr>
     <a:overrideClrMapping bg1="dk1" tx1="lt1" bg2="dk2" tx2="lt2" accent1="accent1" accent2="accent2" accent3="accent3" accent4="accent4" accent5="accent5" accent6="accent6" hlink="hlink" folHlink="folHlink"/>
   </p:clrMapOvr>
+  <p:transition>
+    <p:pull dir="lu"/>
+  </p:transition>
 </p:sldLayout>
 </file>
 
@@ -1799,6 +1814,9 @@
   <p:clrMapOvr>
     <a:masterClrMapping/>
   </p:clrMapOvr>
+  <p:transition>
+    <p:pull dir="lu"/>
+  </p:transition>
 </p:sldLayout>
 </file>
 
@@ -2175,6 +2193,9 @@
   <p:clrMapOvr>
     <a:masterClrMapping/>
   </p:clrMapOvr>
+  <p:transition>
+    <p:pull dir="lu"/>
+  </p:transition>
 </p:sldLayout>
 </file>
 
@@ -2299,6 +2320,9 @@
   <p:clrMapOvr>
     <a:masterClrMapping/>
   </p:clrMapOvr>
+  <p:transition>
+    <p:pull dir="lu"/>
+  </p:transition>
 </p:sldLayout>
 </file>
 
@@ -2391,6 +2415,9 @@
   <p:clrMapOvr>
     <a:masterClrMapping/>
   </p:clrMapOvr>
+  <p:transition>
+    <p:pull dir="lu"/>
+  </p:transition>
 </p:sldLayout>
 </file>
 
@@ -2647,6 +2674,9 @@
   <p:clrMapOvr>
     <a:masterClrMapping/>
   </p:clrMapOvr>
+  <p:transition>
+    <p:pull dir="lu"/>
+  </p:transition>
 </p:sldLayout>
 </file>
 
@@ -2903,6 +2933,9 @@
   <p:clrMapOvr>
     <a:masterClrMapping/>
   </p:clrMapOvr>
+  <p:transition>
+    <p:pull dir="lu"/>
+  </p:transition>
 </p:sldLayout>
 </file>
 
@@ -3356,6 +3389,9 @@
     <p:sldLayoutId id="2147483934" r:id="rId10"/>
     <p:sldLayoutId id="2147483935" r:id="rId11"/>
   </p:sldLayoutIdLst>
+  <p:transition>
+    <p:pull dir="lu"/>
+  </p:transition>
   <p:txStyles>
     <p:titleStyle>
       <a:lvl1pPr algn="l" rtl="0" eaLnBrk="1" latinLnBrk="0" hangingPunct="1">
@@ -4088,6 +4124,9 @@
   <p:clrMapOvr>
     <a:masterClrMapping/>
   </p:clrMapOvr>
+  <p:transition>
+    <p:pull dir="lu"/>
+  </p:transition>
   <p:timing>
     <p:tnLst>
       <p:par>
@@ -4169,15 +4208,7 @@
           <a:p>
             <a:r>
               <a:rPr lang="en-US" dirty="0" smtClean="0"/>
-              <a:t>3.2.2 </a:t>
-            </a:r>
-            <a:r>
-              <a:rPr lang="en-US" dirty="0" smtClean="0"/>
-              <a:t>Tutorials shall use pictures to teach users</a:t>
-            </a:r>
-            <a:r>
-              <a:rPr lang="en-US" dirty="0" smtClean="0"/>
-              <a:t>.</a:t>
+              <a:t>3.2.2 Tutorials shall use pictures to teach users.</a:t>
             </a:r>
           </a:p>
           <a:p>
@@ -4189,15 +4220,7 @@
           <a:p>
             <a:r>
               <a:rPr lang="en-US" dirty="0" smtClean="0"/>
-              <a:t>3.2.3 </a:t>
-            </a:r>
-            <a:r>
-              <a:rPr lang="en-US" dirty="0" smtClean="0"/>
-              <a:t>Tutorials shall use words to teach users</a:t>
-            </a:r>
-            <a:r>
-              <a:rPr lang="en-US" dirty="0" smtClean="0"/>
-              <a:t>.</a:t>
+              <a:t>3.2.3 Tutorials shall use words to teach users.</a:t>
             </a:r>
           </a:p>
           <a:p>
@@ -4209,15 +4232,7 @@
           <a:p>
             <a:r>
               <a:rPr lang="en-US" dirty="0" smtClean="0"/>
-              <a:t>3.2.4 </a:t>
-            </a:r>
-            <a:r>
-              <a:rPr lang="en-US" dirty="0" smtClean="0"/>
-              <a:t>The tutorial shall teach Number sense and operation skills</a:t>
-            </a:r>
-            <a:r>
-              <a:rPr lang="en-US" dirty="0" smtClean="0"/>
-              <a:t>.</a:t>
+              <a:t>3.2.4 The tutorial shall teach Number sense and operation skills.</a:t>
             </a:r>
             <a:endParaRPr lang="en-AU" dirty="0" smtClean="0"/>
           </a:p>
@@ -4227,11 +4242,7 @@
           <a:p>
             <a:r>
               <a:rPr lang="en-US" dirty="0" smtClean="0"/>
-              <a:t>3.2.5 The Tutorials will be load the images and text file from a folder</a:t>
-            </a:r>
-            <a:r>
-              <a:rPr lang="en-US" dirty="0" smtClean="0"/>
-              <a:t>.</a:t>
+              <a:t>3.2.5 The Tutorials will be load the images and text file from a folder.</a:t>
             </a:r>
           </a:p>
           <a:p>
@@ -4240,11 +4251,7 @@
           <a:p>
             <a:r>
               <a:rPr lang="en-US" dirty="0" smtClean="0"/>
-              <a:t>3.2.6 </a:t>
-            </a:r>
-            <a:r>
-              <a:rPr lang="en-US" dirty="0" smtClean="0"/>
-              <a:t>The folder will have a text file and </a:t>
+              <a:t>3.2.6 The folder will have a text file and </a:t>
             </a:r>
             <a:r>
               <a:rPr lang="en-US" dirty="0" err="1" smtClean="0"/>
@@ -4292,6 +4299,9 @@
   <p:clrMapOvr>
     <a:masterClrMapping/>
   </p:clrMapOvr>
+  <p:transition>
+    <p:pull dir="lu"/>
+  </p:transition>
 </p:sld>
 </file>
 
@@ -4361,33 +4371,21 @@
           <a:p>
             <a:r>
               <a:rPr lang="en-US" dirty="0" smtClean="0"/>
-              <a:t>3.3.2 </a:t>
-            </a:r>
-            <a:r>
-              <a:rPr lang="en-US" dirty="0" smtClean="0"/>
-              <a:t>The test questions shall be multiple choice.</a:t>
+              <a:t>3.3.2 The test questions shall be multiple choice.</a:t>
             </a:r>
             <a:endParaRPr lang="en-AU" dirty="0" smtClean="0"/>
           </a:p>
           <a:p>
             <a:r>
               <a:rPr lang="en-US" dirty="0" smtClean="0"/>
-              <a:t>3.3.3 </a:t>
-            </a:r>
-            <a:r>
-              <a:rPr lang="en-US" dirty="0" smtClean="0"/>
-              <a:t>The tests shall have questions on Number sense and operation skills.</a:t>
+              <a:t>3.3.3 The tests shall have questions on Number sense and operation skills.</a:t>
             </a:r>
             <a:endParaRPr lang="en-AU" dirty="0" smtClean="0"/>
           </a:p>
           <a:p>
             <a:r>
               <a:rPr lang="en-US" dirty="0" smtClean="0"/>
-              <a:t>3.3.5 </a:t>
-            </a:r>
-            <a:r>
-              <a:rPr lang="en-US" dirty="0" smtClean="0"/>
-              <a:t>The system shall increase the difficulty of the tests.</a:t>
+              <a:t>3.3.5 The system shall increase the difficulty of the tests.</a:t>
             </a:r>
             <a:endParaRPr lang="en-AU" dirty="0" smtClean="0"/>
           </a:p>
@@ -4434,6 +4432,9 @@
   <p:clrMapOvr>
     <a:masterClrMapping/>
   </p:clrMapOvr>
+  <p:transition>
+    <p:pull dir="lu"/>
+  </p:transition>
 </p:sld>
 </file>
 
@@ -4508,88 +4509,56 @@
           <a:p>
             <a:r>
               <a:rPr lang="en-US" dirty="0" smtClean="0"/>
-              <a:t>3.3.8 </a:t>
-            </a:r>
-            <a:r>
-              <a:rPr lang="en-US" dirty="0" smtClean="0"/>
-              <a:t>The pre made list of questions shall be loaded from a file.</a:t>
+              <a:t>3.3.8 The pre made list of questions shall be loaded from a file.</a:t>
             </a:r>
             <a:endParaRPr lang="en-AU" dirty="0" smtClean="0"/>
           </a:p>
           <a:p>
             <a:r>
               <a:rPr lang="en-US" dirty="0" smtClean="0"/>
-              <a:t>3.3.9 </a:t>
-            </a:r>
-            <a:r>
-              <a:rPr lang="en-US" dirty="0" smtClean="0"/>
-              <a:t>Any image shall be loaded from a folder</a:t>
+              <a:t>3.3.9 Any image shall be loaded from a folder</a:t>
             </a:r>
             <a:endParaRPr lang="en-AU" dirty="0" smtClean="0"/>
           </a:p>
           <a:p>
             <a:r>
               <a:rPr lang="en-US" dirty="0" smtClean="0"/>
-              <a:t>3.3.10 </a:t>
-            </a:r>
-            <a:r>
-              <a:rPr lang="en-US" dirty="0" smtClean="0"/>
-              <a:t>Pre k – k tests will have 6 questions</a:t>
+              <a:t>3.3.10 Pre k – k tests will have 6 questions</a:t>
             </a:r>
             <a:endParaRPr lang="en-AU" dirty="0" smtClean="0"/>
           </a:p>
           <a:p>
             <a:r>
               <a:rPr lang="en-US" dirty="0" smtClean="0"/>
-              <a:t>3.3.11 </a:t>
-            </a:r>
-            <a:r>
-              <a:rPr lang="en-US" dirty="0" smtClean="0"/>
-              <a:t>Pre k - k tests shall be passed if the user gets 3/6 correct.</a:t>
+              <a:t>3.3.11 Pre k - k tests shall be passed if the user gets 3/6 correct.</a:t>
             </a:r>
             <a:endParaRPr lang="en-AU" dirty="0" smtClean="0"/>
           </a:p>
           <a:p>
             <a:r>
               <a:rPr lang="en-US" dirty="0" smtClean="0"/>
-              <a:t>The </a:t>
-            </a:r>
-            <a:r>
-              <a:rPr lang="en-US" dirty="0" smtClean="0"/>
-              <a:t>user shall take tests after tutorials.</a:t>
+              <a:t>The user shall take tests after tutorials.</a:t>
             </a:r>
             <a:endParaRPr lang="en-AU" dirty="0" smtClean="0"/>
           </a:p>
           <a:p>
             <a:r>
               <a:rPr lang="en-US" dirty="0" smtClean="0"/>
-              <a:t>3.3.2 </a:t>
-            </a:r>
-            <a:r>
-              <a:rPr lang="en-US" dirty="0" smtClean="0"/>
-              <a:t>The test questions shall be multiple choice.</a:t>
+              <a:t>3.3.2 The test questions shall be multiple choice.</a:t>
             </a:r>
             <a:endParaRPr lang="en-AU" dirty="0" smtClean="0"/>
           </a:p>
           <a:p>
             <a:r>
               <a:rPr lang="en-US" dirty="0" smtClean="0"/>
-              <a:t>3.3.3 </a:t>
-            </a:r>
-            <a:r>
-              <a:rPr lang="en-US" dirty="0" smtClean="0"/>
-              <a:t>The tests shall have questions on Number sense and operation skills.</a:t>
+              <a:t>3.3.3 The tests shall have questions on Number sense and operation skills.</a:t>
             </a:r>
             <a:endParaRPr lang="en-AU" dirty="0" smtClean="0"/>
           </a:p>
           <a:p>
             <a:r>
               <a:rPr lang="en-US" dirty="0" smtClean="0"/>
-              <a:t>3.3.5 </a:t>
-            </a:r>
-            <a:r>
-              <a:rPr lang="en-US" dirty="0" smtClean="0"/>
-              <a:t>The system shall increase the difficulty of the tests.</a:t>
+              <a:t>3.3.5 The system shall increase the difficulty of the tests.</a:t>
             </a:r>
             <a:endParaRPr lang="en-AU" dirty="0" smtClean="0"/>
           </a:p>
@@ -4629,6 +4598,9 @@
   <p:clrMapOvr>
     <a:masterClrMapping/>
   </p:clrMapOvr>
+  <p:transition>
+    <p:pull dir="lu"/>
+  </p:transition>
 </p:sld>
 </file>
 
@@ -4696,11 +4668,7 @@
           <a:p>
             <a:r>
               <a:rPr lang="en-US" dirty="0" smtClean="0"/>
-              <a:t>3.3.6 After completing a test or math level, the system shall give the user stickers</a:t>
-            </a:r>
-            <a:r>
-              <a:rPr lang="en-US" dirty="0" smtClean="0"/>
-              <a:t>.</a:t>
+              <a:t>3.3.6 After completing a test or math level, the system shall give the user stickers.</a:t>
             </a:r>
           </a:p>
           <a:p>
@@ -4713,44 +4681,28 @@
           <a:p>
             <a:r>
               <a:rPr lang="en-US" dirty="0" smtClean="0"/>
-              <a:t>3.5.2 </a:t>
-            </a:r>
-            <a:r>
-              <a:rPr lang="en-US" dirty="0" smtClean="0"/>
-              <a:t>The reports shall be printable.</a:t>
+              <a:t>3.5.2 The reports shall be printable.</a:t>
             </a:r>
             <a:endParaRPr lang="en-AU" dirty="0" smtClean="0"/>
           </a:p>
           <a:p>
             <a:r>
               <a:rPr lang="en-US" dirty="0" smtClean="0"/>
-              <a:t>3.5.3 </a:t>
-            </a:r>
-            <a:r>
-              <a:rPr lang="en-US" dirty="0" smtClean="0"/>
-              <a:t>The reports will show percentage correct</a:t>
+              <a:t>3.5.3 The reports will show percentage correct</a:t>
             </a:r>
             <a:endParaRPr lang="en-AU" dirty="0" smtClean="0"/>
           </a:p>
           <a:p>
             <a:r>
               <a:rPr lang="en-US" dirty="0" smtClean="0"/>
-              <a:t>3.5.4 </a:t>
-            </a:r>
-            <a:r>
-              <a:rPr lang="en-US" dirty="0" smtClean="0"/>
-              <a:t>The reports will show pass/fail</a:t>
+              <a:t>3.5.4 The reports will show pass/fail</a:t>
             </a:r>
             <a:endParaRPr lang="en-AU" dirty="0" smtClean="0"/>
           </a:p>
           <a:p>
             <a:r>
               <a:rPr lang="en-US" dirty="0" smtClean="0"/>
-              <a:t>3.5.5 </a:t>
-            </a:r>
-            <a:r>
-              <a:rPr lang="en-US" dirty="0" smtClean="0"/>
-              <a:t>The reports will show incorrect questions with the correct answer.</a:t>
+              <a:t>3.5.5 The reports will show incorrect questions with the correct answer.</a:t>
             </a:r>
             <a:endParaRPr lang="en-AU" dirty="0" smtClean="0"/>
           </a:p>
@@ -4793,6 +4745,9 @@
   <p:clrMapOvr>
     <a:masterClrMapping/>
   </p:clrMapOvr>
+  <p:transition>
+    <p:pull dir="lu"/>
+  </p:transition>
 </p:sld>
 </file>
 
@@ -4901,6 +4856,9 @@
   <p:clrMapOvr>
     <a:masterClrMapping/>
   </p:clrMapOvr>
+  <p:transition>
+    <p:pull dir="lu"/>
+  </p:transition>
   <p:timing>
     <p:tnLst>
       <p:par>
@@ -5021,6 +4979,9 @@
   <p:clrMapOvr>
     <a:masterClrMapping/>
   </p:clrMapOvr>
+  <p:transition>
+    <p:pull dir="lu"/>
+  </p:transition>
   <p:timing>
     <p:tnLst>
       <p:par>
@@ -5164,6 +5125,9 @@
   <p:clrMapOvr>
     <a:masterClrMapping/>
   </p:clrMapOvr>
+  <p:transition>
+    <p:pull dir="lu"/>
+  </p:transition>
   <p:timing>
     <p:tnLst>
       <p:par>
@@ -5328,6 +5292,9 @@
   <p:clrMapOvr>
     <a:masterClrMapping/>
   </p:clrMapOvr>
+  <p:transition>
+    <p:pull dir="lu"/>
+  </p:transition>
   <p:timing>
     <p:tnLst>
       <p:par>
@@ -5460,6 +5427,9 @@
   <p:clrMapOvr>
     <a:masterClrMapping/>
   </p:clrMapOvr>
+  <p:transition>
+    <p:pull dir="lu"/>
+  </p:transition>
   <p:timing>
     <p:tnLst>
       <p:par>
@@ -5581,6 +5551,9 @@
   <p:clrMapOvr>
     <a:masterClrMapping/>
   </p:clrMapOvr>
+  <p:transition>
+    <p:pull dir="lu"/>
+  </p:transition>
   <p:timing>
     <p:tnLst>
       <p:par>
@@ -5691,6 +5664,9 @@
   <p:clrMapOvr>
     <a:masterClrMapping/>
   </p:clrMapOvr>
+  <p:transition>
+    <p:pull dir="lu"/>
+  </p:transition>
   <p:timing>
     <p:tnLst>
       <p:par>
@@ -5776,15 +5752,7 @@
           <a:p>
             <a:r>
               <a:rPr lang="en-US" dirty="0" smtClean="0"/>
-              <a:t>Consistently Fewer than </a:t>
-            </a:r>
-            <a:r>
-              <a:rPr lang="en-US" dirty="0" smtClean="0"/>
-              <a:t>8 </a:t>
-            </a:r>
-            <a:r>
-              <a:rPr lang="en-US" dirty="0" smtClean="0"/>
-              <a:t>items per area to avoid overwhelming</a:t>
+              <a:t>Consistently Fewer than 8 items per area to avoid overwhelming</a:t>
             </a:r>
             <a:endParaRPr lang="en-AU" dirty="0"/>
           </a:p>
@@ -5795,6 +5763,9 @@
   <p:clrMapOvr>
     <a:masterClrMapping/>
   </p:clrMapOvr>
+  <p:transition>
+    <p:pull dir="lu"/>
+  </p:transition>
   <p:timing>
     <p:tnLst>
       <p:par>
@@ -5877,11 +5848,7 @@
           <a:p>
             <a:r>
               <a:rPr lang="en-US" sz="3300" dirty="0" smtClean="0"/>
-              <a:t>3.4.2 </a:t>
-            </a:r>
-            <a:r>
-              <a:rPr lang="en-US" sz="3300" dirty="0" smtClean="0"/>
-              <a:t>the user shall enter a user name.</a:t>
+              <a:t>3.4.2 the user shall enter a user name.</a:t>
             </a:r>
             <a:endParaRPr lang="en-AU" sz="3300" dirty="0" smtClean="0"/>
           </a:p>
@@ -5895,11 +5862,7 @@
           <a:p>
             <a:r>
               <a:rPr lang="en-US" sz="3300" dirty="0" smtClean="0"/>
-              <a:t>3.4.4 </a:t>
-            </a:r>
-            <a:r>
-              <a:rPr lang="en-US" sz="3300" dirty="0" smtClean="0"/>
-              <a:t>The User shall reenter the password while creating an account.</a:t>
+              <a:t>3.4.4 The User shall reenter the password while creating an account.</a:t>
             </a:r>
             <a:endParaRPr lang="en-AU" sz="3300" dirty="0" smtClean="0"/>
           </a:p>
@@ -5927,11 +5890,7 @@
           <a:p>
             <a:r>
               <a:rPr lang="en-US" sz="3300" dirty="0" smtClean="0"/>
-              <a:t>3.1.4 </a:t>
-            </a:r>
-            <a:r>
-              <a:rPr lang="en-US" sz="3300" dirty="0" smtClean="0"/>
-              <a:t>The help button shall give a short explanation/tutorial of the current activity.</a:t>
+              <a:t>3.1.4 The help button shall give a short explanation/tutorial of the current activity.</a:t>
             </a:r>
             <a:endParaRPr lang="en-AU" sz="3300" dirty="0" smtClean="0"/>
           </a:p>
@@ -5986,6 +5945,16 @@
   <p:clrMapOvr>
     <a:masterClrMapping/>
   </p:clrMapOvr>
+  <p:transition>
+    <p:pull dir="lu"/>
+  </p:transition>
+  <p:timing>
+    <p:tnLst>
+      <p:par>
+        <p:cTn id="1" dur="indefinite" restart="never" nodeType="tmRoot"/>
+      </p:par>
+    </p:tnLst>
+  </p:timing>
 </p:sld>
 </file>
 
@@ -6056,26 +6025,14 @@
           <a:p>
             <a:r>
               <a:rPr lang="en-US" dirty="0" smtClean="0"/>
-              <a:t>3.4.6 </a:t>
-            </a:r>
-            <a:r>
-              <a:rPr lang="en-US" dirty="0" smtClean="0"/>
-              <a:t>After choosing an existing account the user shall enter a password.</a:t>
+              <a:t>3.4.6 After choosing an existing account the user shall enter a password.</a:t>
             </a:r>
             <a:endParaRPr lang="en-AU" dirty="0" smtClean="0"/>
           </a:p>
           <a:p>
             <a:r>
               <a:rPr lang="en-US" dirty="0" smtClean="0"/>
-              <a:t>3.4.7 </a:t>
-            </a:r>
-            <a:r>
-              <a:rPr lang="en-US" dirty="0" smtClean="0"/>
-              <a:t>The user shall be able to log out in the main window</a:t>
-            </a:r>
-            <a:r>
-              <a:rPr lang="en-US" dirty="0" smtClean="0"/>
-              <a:t>.</a:t>
+              <a:t>3.4.7 The user shall be able to log out in the main window.</a:t>
             </a:r>
             <a:endParaRPr lang="en-AU" b="1" dirty="0" smtClean="0"/>
           </a:p>
@@ -6119,6 +6076,16 @@
   <p:clrMapOvr>
     <a:masterClrMapping/>
   </p:clrMapOvr>
+  <p:transition>
+    <p:pull dir="lu"/>
+  </p:transition>
+  <p:timing>
+    <p:tnLst>
+      <p:par>
+        <p:cTn id="1" dur="indefinite" restart="never" nodeType="tmRoot"/>
+      </p:par>
+    </p:tnLst>
+  </p:timing>
 </p:sld>
 </file>
 
@@ -6207,15 +6174,7 @@
           <a:p>
             <a:r>
               <a:rPr lang="en-US" dirty="0" smtClean="0"/>
-              <a:t>3.1.4 </a:t>
-            </a:r>
-            <a:r>
-              <a:rPr lang="en-US" dirty="0" smtClean="0"/>
-              <a:t>The help button shall give a short explanation/tutorial of the current activity</a:t>
-            </a:r>
-            <a:r>
-              <a:rPr lang="en-US" dirty="0" smtClean="0"/>
-              <a:t>.</a:t>
+              <a:t>3.1.4 The help button shall give a short explanation/tutorial of the current activity.</a:t>
             </a:r>
             <a:endParaRPr lang="en-AU" dirty="0" smtClean="0"/>
           </a:p>
@@ -6273,6 +6232,9 @@
   <p:clrMapOvr>
     <a:masterClrMapping/>
   </p:clrMapOvr>
+  <p:transition>
+    <p:pull dir="lu"/>
+  </p:transition>
 </p:sld>
 </file>
 
